--- a/Fifohazana/Fifohazana 183.pptx
+++ b/Fifohazana/Fifohazana 183.pptx
@@ -9,8 +9,13 @@
     <p:sldId id="257" r:id="rId3"/>
     <p:sldId id="261" r:id="rId4"/>
     <p:sldId id="258" r:id="rId5"/>
-    <p:sldId id="259" r:id="rId6"/>
-    <p:sldId id="260" r:id="rId7"/>
+    <p:sldId id="262" r:id="rId6"/>
+    <p:sldId id="259" r:id="rId7"/>
+    <p:sldId id="260" r:id="rId8"/>
+    <p:sldId id="263" r:id="rId9"/>
+    <p:sldId id="264" r:id="rId10"/>
+    <p:sldId id="265" r:id="rId11"/>
+    <p:sldId id="266" r:id="rId12"/>
   </p:sldIdLst>
   <p:sldSz cx="9144000" cy="5143500" type="screen16x9"/>
   <p:notesSz cx="6858000" cy="9144000"/>
@@ -109,6 +114,22 @@
       </a:defRPr>
     </a:lvl9pPr>
   </p:defaultTextStyle>
+  <p:extLst>
+    <p:ext uri="{EFAFB233-063F-42B5-8137-9DF3F51BA10A}">
+      <p15:sldGuideLst xmlns:p15="http://schemas.microsoft.com/office/powerpoint/2012/main">
+        <p15:guide id="1" orient="horz" pos="1620">
+          <p15:clr>
+            <a:srgbClr val="A4A3A4"/>
+          </p15:clr>
+        </p15:guide>
+        <p15:guide id="2" pos="2880">
+          <p15:clr>
+            <a:srgbClr val="A4A3A4"/>
+          </p15:clr>
+        </p15:guide>
+      </p15:sldGuideLst>
+    </p:ext>
+  </p:extLst>
 </p:presentation>
 </file>
 
@@ -293,7 +314,7 @@
           <a:p>
             <a:fld id="{AA874C99-2C31-44BD-A4D2-223C6D82309B}" type="datetimeFigureOut">
               <a:rPr lang="fr-FR" smtClean="0"/>
-              <a:t>09/11/2014</a:t>
+              <a:t>14/09/2025</a:t>
             </a:fld>
             <a:endParaRPr lang="fr-FR"/>
           </a:p>
@@ -463,7 +484,7 @@
           <a:p>
             <a:fld id="{AA874C99-2C31-44BD-A4D2-223C6D82309B}" type="datetimeFigureOut">
               <a:rPr lang="fr-FR" smtClean="0"/>
-              <a:t>09/11/2014</a:t>
+              <a:t>14/09/2025</a:t>
             </a:fld>
             <a:endParaRPr lang="fr-FR"/>
           </a:p>
@@ -643,7 +664,7 @@
           <a:p>
             <a:fld id="{AA874C99-2C31-44BD-A4D2-223C6D82309B}" type="datetimeFigureOut">
               <a:rPr lang="fr-FR" smtClean="0"/>
-              <a:t>09/11/2014</a:t>
+              <a:t>14/09/2025</a:t>
             </a:fld>
             <a:endParaRPr lang="fr-FR"/>
           </a:p>
@@ -813,7 +834,7 @@
           <a:p>
             <a:fld id="{AA874C99-2C31-44BD-A4D2-223C6D82309B}" type="datetimeFigureOut">
               <a:rPr lang="fr-FR" smtClean="0"/>
-              <a:t>09/11/2014</a:t>
+              <a:t>14/09/2025</a:t>
             </a:fld>
             <a:endParaRPr lang="fr-FR"/>
           </a:p>
@@ -1059,7 +1080,7 @@
           <a:p>
             <a:fld id="{AA874C99-2C31-44BD-A4D2-223C6D82309B}" type="datetimeFigureOut">
               <a:rPr lang="fr-FR" smtClean="0"/>
-              <a:t>09/11/2014</a:t>
+              <a:t>14/09/2025</a:t>
             </a:fld>
             <a:endParaRPr lang="fr-FR"/>
           </a:p>
@@ -1347,7 +1368,7 @@
           <a:p>
             <a:fld id="{AA874C99-2C31-44BD-A4D2-223C6D82309B}" type="datetimeFigureOut">
               <a:rPr lang="fr-FR" smtClean="0"/>
-              <a:t>09/11/2014</a:t>
+              <a:t>14/09/2025</a:t>
             </a:fld>
             <a:endParaRPr lang="fr-FR"/>
           </a:p>
@@ -1774,7 +1795,7 @@
           <a:p>
             <a:fld id="{AA874C99-2C31-44BD-A4D2-223C6D82309B}" type="datetimeFigureOut">
               <a:rPr lang="fr-FR" smtClean="0"/>
-              <a:t>09/11/2014</a:t>
+              <a:t>14/09/2025</a:t>
             </a:fld>
             <a:endParaRPr lang="fr-FR"/>
           </a:p>
@@ -1892,7 +1913,7 @@
           <a:p>
             <a:fld id="{AA874C99-2C31-44BD-A4D2-223C6D82309B}" type="datetimeFigureOut">
               <a:rPr lang="fr-FR" smtClean="0"/>
-              <a:t>09/11/2014</a:t>
+              <a:t>14/09/2025</a:t>
             </a:fld>
             <a:endParaRPr lang="fr-FR"/>
           </a:p>
@@ -1987,7 +2008,7 @@
           <a:p>
             <a:fld id="{AA874C99-2C31-44BD-A4D2-223C6D82309B}" type="datetimeFigureOut">
               <a:rPr lang="fr-FR" smtClean="0"/>
-              <a:t>09/11/2014</a:t>
+              <a:t>14/09/2025</a:t>
             </a:fld>
             <a:endParaRPr lang="fr-FR"/>
           </a:p>
@@ -2264,7 +2285,7 @@
           <a:p>
             <a:fld id="{AA874C99-2C31-44BD-A4D2-223C6D82309B}" type="datetimeFigureOut">
               <a:rPr lang="fr-FR" smtClean="0"/>
-              <a:t>09/11/2014</a:t>
+              <a:t>14/09/2025</a:t>
             </a:fld>
             <a:endParaRPr lang="fr-FR"/>
           </a:p>
@@ -2517,7 +2538,7 @@
           <a:p>
             <a:fld id="{AA874C99-2C31-44BD-A4D2-223C6D82309B}" type="datetimeFigureOut">
               <a:rPr lang="fr-FR" smtClean="0"/>
-              <a:t>09/11/2014</a:t>
+              <a:t>14/09/2025</a:t>
             </a:fld>
             <a:endParaRPr lang="fr-FR"/>
           </a:p>
@@ -2730,7 +2751,7 @@
           <a:p>
             <a:fld id="{AA874C99-2C31-44BD-A4D2-223C6D82309B}" type="datetimeFigureOut">
               <a:rPr lang="fr-FR" smtClean="0"/>
-              <a:t>09/11/2014</a:t>
+              <a:t>14/09/2025</a:t>
             </a:fld>
             <a:endParaRPr lang="fr-FR"/>
           </a:p>
@@ -3139,18 +3160,6 @@
               </a:rPr>
               <a:t>FIF 183</a:t>
             </a:r>
-            <a:r>
-              <a:rPr lang="fr-FR" sz="4800" b="1" dirty="0" smtClean="0">
-                <a:effectLst>
-                  <a:outerShdw blurRad="38100" dist="38100" dir="2700000" algn="tl">
-                    <a:srgbClr val="000000">
-                      <a:alpha val="43137"/>
-                    </a:srgbClr>
-                  </a:outerShdw>
-                </a:effectLst>
-              </a:rPr>
-              <a:t/>
-            </a:r>
             <a:br>
               <a:rPr lang="fr-FR" sz="4800" b="1" dirty="0" smtClean="0">
                 <a:effectLst>
@@ -3309,6 +3318,673 @@
     <p:extLst>
       <p:ext uri="{BB962C8B-B14F-4D97-AF65-F5344CB8AC3E}">
         <p14:creationId xmlns:p14="http://schemas.microsoft.com/office/powerpoint/2010/main" val="1129699825"/>
+      </p:ext>
+    </p:extLst>
+  </p:cSld>
+  <p:clrMapOvr>
+    <a:masterClrMapping/>
+  </p:clrMapOvr>
+</p:sld>
+</file>
+
+<file path=ppt/slides/slide10.xml><?xml version="1.0" encoding="utf-8"?>
+<p:sld xmlns:a="http://schemas.openxmlformats.org/drawingml/2006/main" xmlns:r="http://schemas.openxmlformats.org/officeDocument/2006/relationships" xmlns:p="http://schemas.openxmlformats.org/presentationml/2006/main">
+  <p:cSld>
+    <p:spTree>
+      <p:nvGrpSpPr>
+        <p:cNvPr id="1" name=""/>
+        <p:cNvGrpSpPr/>
+        <p:nvPr/>
+      </p:nvGrpSpPr>
+      <p:grpSpPr>
+        <a:xfrm>
+          <a:off x="0" y="0"/>
+          <a:ext cx="0" cy="0"/>
+          <a:chOff x="0" y="0"/>
+          <a:chExt cx="0" cy="0"/>
+        </a:xfrm>
+      </p:grpSpPr>
+      <p:sp>
+        <p:nvSpPr>
+          <p:cNvPr id="2" name="Rectangle 1"/>
+          <p:cNvSpPr/>
+          <p:nvPr/>
+        </p:nvSpPr>
+        <p:spPr>
+          <a:xfrm>
+            <a:off x="0" y="-20538"/>
+            <a:ext cx="9144000" cy="5078313"/>
+          </a:xfrm>
+          <a:prstGeom prst="rect">
+            <a:avLst/>
+          </a:prstGeom>
+        </p:spPr>
+        <p:txBody>
+          <a:bodyPr wrap="square">
+            <a:spAutoFit/>
+          </a:bodyPr>
+          <a:lstStyle/>
+          <a:p>
+            <a:pPr algn="ctr"/>
+            <a:r>
+              <a:rPr lang="fr-FR" sz="5400" b="1" dirty="0">
+                <a:effectLst>
+                  <a:outerShdw blurRad="38100" dist="38100" dir="2700000" algn="tl">
+                    <a:srgbClr val="000000">
+                      <a:alpha val="43137"/>
+                    </a:srgbClr>
+                  </a:outerShdw>
+                </a:effectLst>
+              </a:rPr>
+              <a:t>6.Ny </a:t>
+            </a:r>
+            <a:r>
+              <a:rPr lang="fr-FR" sz="5400" b="1" dirty="0" err="1">
+                <a:effectLst>
+                  <a:outerShdw blurRad="38100" dist="38100" dir="2700000" algn="tl">
+                    <a:srgbClr val="000000">
+                      <a:alpha val="43137"/>
+                    </a:srgbClr>
+                  </a:outerShdw>
+                </a:effectLst>
+              </a:rPr>
+              <a:t>asanao</a:t>
+            </a:r>
+            <a:r>
+              <a:rPr lang="fr-FR" sz="5400" b="1" dirty="0">
+                <a:effectLst>
+                  <a:outerShdw blurRad="38100" dist="38100" dir="2700000" algn="tl">
+                    <a:srgbClr val="000000">
+                      <a:alpha val="43137"/>
+                    </a:srgbClr>
+                  </a:outerShdw>
+                </a:effectLst>
+              </a:rPr>
+              <a:t> </a:t>
+            </a:r>
+            <a:r>
+              <a:rPr lang="fr-FR" sz="5400" b="1" dirty="0" err="1">
+                <a:effectLst>
+                  <a:outerShdw blurRad="38100" dist="38100" dir="2700000" algn="tl">
+                    <a:srgbClr val="000000">
+                      <a:alpha val="43137"/>
+                    </a:srgbClr>
+                  </a:outerShdw>
+                </a:effectLst>
+              </a:rPr>
+              <a:t>mangina</a:t>
+            </a:r>
+            <a:r>
+              <a:rPr lang="fr-FR" sz="5400" b="1" dirty="0">
+                <a:effectLst>
+                  <a:outerShdw blurRad="38100" dist="38100" dir="2700000" algn="tl">
+                    <a:srgbClr val="000000">
+                      <a:alpha val="43137"/>
+                    </a:srgbClr>
+                  </a:outerShdw>
+                </a:effectLst>
+              </a:rPr>
+              <a:t> </a:t>
+            </a:r>
+            <a:endParaRPr lang="fr-FR" sz="5400" b="1" dirty="0" smtClean="0">
+              <a:effectLst>
+                <a:outerShdw blurRad="38100" dist="38100" dir="2700000" algn="tl">
+                  <a:srgbClr val="000000">
+                    <a:alpha val="43137"/>
+                  </a:srgbClr>
+                </a:outerShdw>
+              </a:effectLst>
+            </a:endParaRPr>
+          </a:p>
+          <a:p>
+            <a:pPr algn="ctr"/>
+            <a:r>
+              <a:rPr lang="fr-FR" sz="5400" b="1" dirty="0" err="1" smtClean="0">
+                <a:effectLst>
+                  <a:outerShdw blurRad="38100" dist="38100" dir="2700000" algn="tl">
+                    <a:srgbClr val="000000">
+                      <a:alpha val="43137"/>
+                    </a:srgbClr>
+                  </a:outerShdw>
+                </a:effectLst>
+              </a:rPr>
+              <a:t>ry</a:t>
+            </a:r>
+            <a:r>
+              <a:rPr lang="fr-FR" sz="5400" b="1" dirty="0" smtClean="0">
+                <a:effectLst>
+                  <a:outerShdw blurRad="38100" dist="38100" dir="2700000" algn="tl">
+                    <a:srgbClr val="000000">
+                      <a:alpha val="43137"/>
+                    </a:srgbClr>
+                  </a:outerShdw>
+                </a:effectLst>
+              </a:rPr>
+              <a:t> </a:t>
+            </a:r>
+            <a:r>
+              <a:rPr lang="fr-FR" sz="5400" b="1" dirty="0" err="1" smtClean="0">
+                <a:effectLst>
+                  <a:outerShdw blurRad="38100" dist="38100" dir="2700000" algn="tl">
+                    <a:srgbClr val="000000">
+                      <a:alpha val="43137"/>
+                    </a:srgbClr>
+                  </a:outerShdw>
+                </a:effectLst>
+              </a:rPr>
+              <a:t>Fanahy</a:t>
+            </a:r>
+            <a:endParaRPr lang="fr-FR" sz="5400" b="1" dirty="0" smtClean="0">
+              <a:effectLst>
+                <a:outerShdw blurRad="38100" dist="38100" dir="2700000" algn="tl">
+                  <a:srgbClr val="000000">
+                    <a:alpha val="43137"/>
+                  </a:srgbClr>
+                </a:outerShdw>
+              </a:effectLst>
+            </a:endParaRPr>
+          </a:p>
+          <a:p>
+            <a:pPr algn="ctr"/>
+            <a:r>
+              <a:rPr lang="fr-FR" sz="5400" b="1" dirty="0" smtClean="0">
+                <a:effectLst>
+                  <a:outerShdw blurRad="38100" dist="38100" dir="2700000" algn="tl">
+                    <a:srgbClr val="000000">
+                      <a:alpha val="43137"/>
+                    </a:srgbClr>
+                  </a:outerShdw>
+                </a:effectLst>
+              </a:rPr>
+              <a:t>Na </a:t>
+            </a:r>
+            <a:r>
+              <a:rPr lang="fr-FR" sz="5400" b="1" dirty="0">
+                <a:effectLst>
+                  <a:outerShdw blurRad="38100" dist="38100" dir="2700000" algn="tl">
+                    <a:srgbClr val="000000">
+                      <a:alpha val="43137"/>
+                    </a:srgbClr>
+                  </a:outerShdw>
+                </a:effectLst>
+              </a:rPr>
+              <a:t>dia </a:t>
+            </a:r>
+            <a:r>
+              <a:rPr lang="fr-FR" sz="5400" b="1" dirty="0" err="1">
+                <a:effectLst>
+                  <a:outerShdw blurRad="38100" dist="38100" dir="2700000" algn="tl">
+                    <a:srgbClr val="000000">
+                      <a:alpha val="43137"/>
+                    </a:srgbClr>
+                  </a:outerShdw>
+                </a:effectLst>
+              </a:rPr>
+              <a:t>tsy</a:t>
+            </a:r>
+            <a:r>
+              <a:rPr lang="fr-FR" sz="5400" b="1" dirty="0">
+                <a:effectLst>
+                  <a:outerShdw blurRad="38100" dist="38100" dir="2700000" algn="tl">
+                    <a:srgbClr val="000000">
+                      <a:alpha val="43137"/>
+                    </a:srgbClr>
+                  </a:outerShdw>
+                </a:effectLst>
+              </a:rPr>
+              <a:t> </a:t>
+            </a:r>
+            <a:r>
+              <a:rPr lang="fr-FR" sz="5400" b="1" dirty="0" err="1">
+                <a:effectLst>
+                  <a:outerShdw blurRad="38100" dist="38100" dir="2700000" algn="tl">
+                    <a:srgbClr val="000000">
+                      <a:alpha val="43137"/>
+                    </a:srgbClr>
+                  </a:outerShdw>
+                </a:effectLst>
+              </a:rPr>
+              <a:t>hita</a:t>
+            </a:r>
+            <a:r>
+              <a:rPr lang="fr-FR" sz="5400" b="1" dirty="0">
+                <a:effectLst>
+                  <a:outerShdw blurRad="38100" dist="38100" dir="2700000" algn="tl">
+                    <a:srgbClr val="000000">
+                      <a:alpha val="43137"/>
+                    </a:srgbClr>
+                  </a:outerShdw>
+                </a:effectLst>
+              </a:rPr>
+              <a:t> </a:t>
+            </a:r>
+            <a:r>
+              <a:rPr lang="fr-FR" sz="5400" b="1" dirty="0" err="1" smtClean="0">
+                <a:effectLst>
+                  <a:outerShdw blurRad="38100" dist="38100" dir="2700000" algn="tl">
+                    <a:srgbClr val="000000">
+                      <a:alpha val="43137"/>
+                    </a:srgbClr>
+                  </a:outerShdw>
+                </a:effectLst>
+              </a:rPr>
+              <a:t>aza</a:t>
+            </a:r>
+            <a:r>
+              <a:rPr lang="fr-FR" sz="5400" b="1" dirty="0" smtClean="0">
+                <a:effectLst>
+                  <a:outerShdw blurRad="38100" dist="38100" dir="2700000" algn="tl">
+                    <a:srgbClr val="000000">
+                      <a:alpha val="43137"/>
+                    </a:srgbClr>
+                  </a:outerShdw>
+                </a:effectLst>
+              </a:rPr>
+              <a:t>, </a:t>
+            </a:r>
+          </a:p>
+          <a:p>
+            <a:pPr algn="ctr"/>
+            <a:r>
+              <a:rPr lang="fr-FR" sz="5400" b="1" dirty="0" err="1" smtClean="0">
+                <a:effectLst>
+                  <a:outerShdw blurRad="38100" dist="38100" dir="2700000" algn="tl">
+                    <a:srgbClr val="000000">
+                      <a:alpha val="43137"/>
+                    </a:srgbClr>
+                  </a:outerShdw>
+                </a:effectLst>
+              </a:rPr>
+              <a:t>afafazo</a:t>
+            </a:r>
+            <a:r>
+              <a:rPr lang="fr-FR" sz="5400" b="1" dirty="0" smtClean="0">
+                <a:effectLst>
+                  <a:outerShdw blurRad="38100" dist="38100" dir="2700000" algn="tl">
+                    <a:srgbClr val="000000">
+                      <a:alpha val="43137"/>
+                    </a:srgbClr>
+                  </a:outerShdw>
+                </a:effectLst>
+              </a:rPr>
+              <a:t>;</a:t>
+            </a:r>
+          </a:p>
+          <a:p>
+            <a:pPr algn="ctr"/>
+            <a:r>
+              <a:rPr lang="fr-FR" sz="5400" b="1" dirty="0" err="1" smtClean="0">
+                <a:effectLst>
+                  <a:outerShdw blurRad="38100" dist="38100" dir="2700000" algn="tl">
+                    <a:srgbClr val="000000">
+                      <a:alpha val="43137"/>
+                    </a:srgbClr>
+                  </a:outerShdw>
+                </a:effectLst>
+              </a:rPr>
+              <a:t>Ny</a:t>
+            </a:r>
+            <a:r>
+              <a:rPr lang="fr-FR" sz="5400" b="1" dirty="0" smtClean="0">
+                <a:effectLst>
+                  <a:outerShdw blurRad="38100" dist="38100" dir="2700000" algn="tl">
+                    <a:srgbClr val="000000">
+                      <a:alpha val="43137"/>
+                    </a:srgbClr>
+                  </a:outerShdw>
+                </a:effectLst>
+              </a:rPr>
+              <a:t> </a:t>
+            </a:r>
+            <a:r>
+              <a:rPr lang="fr-FR" sz="5400" b="1" dirty="0" err="1">
+                <a:effectLst>
+                  <a:outerShdw blurRad="38100" dist="38100" dir="2700000" algn="tl">
+                    <a:srgbClr val="000000">
+                      <a:alpha val="43137"/>
+                    </a:srgbClr>
+                  </a:outerShdw>
+                </a:effectLst>
+              </a:rPr>
+              <a:t>fakany</a:t>
+            </a:r>
+            <a:r>
+              <a:rPr lang="fr-FR" sz="5400" b="1" dirty="0">
+                <a:effectLst>
+                  <a:outerShdw blurRad="38100" dist="38100" dir="2700000" algn="tl">
+                    <a:srgbClr val="000000">
+                      <a:alpha val="43137"/>
+                    </a:srgbClr>
+                  </a:outerShdw>
+                </a:effectLst>
+              </a:rPr>
+              <a:t> </a:t>
+            </a:r>
+            <a:r>
+              <a:rPr lang="fr-FR" sz="5400" b="1" dirty="0" err="1">
+                <a:effectLst>
+                  <a:outerShdw blurRad="38100" dist="38100" dir="2700000" algn="tl">
+                    <a:srgbClr val="000000">
+                      <a:alpha val="43137"/>
+                    </a:srgbClr>
+                  </a:outerShdw>
+                </a:effectLst>
+              </a:rPr>
+              <a:t>omeo</a:t>
+            </a:r>
+            <a:r>
+              <a:rPr lang="fr-FR" sz="5400" b="1" dirty="0">
+                <a:effectLst>
+                  <a:outerShdw blurRad="38100" dist="38100" dir="2700000" algn="tl">
+                    <a:srgbClr val="000000">
+                      <a:alpha val="43137"/>
+                    </a:srgbClr>
+                  </a:outerShdw>
+                </a:effectLst>
+              </a:rPr>
+              <a:t> </a:t>
+            </a:r>
+            <a:r>
+              <a:rPr lang="fr-FR" sz="5400" b="1" dirty="0" err="1">
+                <a:effectLst>
+                  <a:outerShdw blurRad="38100" dist="38100" dir="2700000" algn="tl">
+                    <a:srgbClr val="000000">
+                      <a:alpha val="43137"/>
+                    </a:srgbClr>
+                  </a:outerShdw>
+                </a:effectLst>
+              </a:rPr>
+              <a:t>tsiro</a:t>
+            </a:r>
+            <a:r>
+              <a:rPr lang="fr-FR" sz="5400" b="1" dirty="0">
+                <a:effectLst>
+                  <a:outerShdw blurRad="38100" dist="38100" dir="2700000" algn="tl">
+                    <a:srgbClr val="000000">
+                      <a:alpha val="43137"/>
+                    </a:srgbClr>
+                  </a:outerShdw>
+                </a:effectLst>
+              </a:rPr>
+              <a:t> </a:t>
+            </a:r>
+            <a:r>
+              <a:rPr lang="fr-FR" sz="5400" b="1" dirty="0" err="1">
+                <a:effectLst>
+                  <a:outerShdw blurRad="38100" dist="38100" dir="2700000" algn="tl">
+                    <a:srgbClr val="000000">
+                      <a:alpha val="43137"/>
+                    </a:srgbClr>
+                  </a:outerShdw>
+                </a:effectLst>
+              </a:rPr>
+              <a:t>avy</a:t>
+            </a:r>
+            <a:r>
+              <a:rPr lang="fr-FR" sz="5400" b="1" dirty="0">
+                <a:effectLst>
+                  <a:outerShdw blurRad="38100" dist="38100" dir="2700000" algn="tl">
+                    <a:srgbClr val="000000">
+                      <a:alpha val="43137"/>
+                    </a:srgbClr>
+                  </a:outerShdw>
+                </a:effectLst>
+              </a:rPr>
+              <a:t> </a:t>
+            </a:r>
+            <a:r>
+              <a:rPr lang="fr-FR" sz="5400" b="1" dirty="0" err="1" smtClean="0">
+                <a:effectLst>
+                  <a:outerShdw blurRad="38100" dist="38100" dir="2700000" algn="tl">
+                    <a:srgbClr val="000000">
+                      <a:alpha val="43137"/>
+                    </a:srgbClr>
+                  </a:outerShdw>
+                </a:effectLst>
+              </a:rPr>
+              <a:t>aminao</a:t>
+            </a:r>
+            <a:endParaRPr lang="fr-FR" sz="5400" b="1" dirty="0" smtClean="0">
+              <a:effectLst>
+                <a:outerShdw blurRad="38100" dist="38100" dir="2700000" algn="tl">
+                  <a:srgbClr val="000000">
+                    <a:alpha val="43137"/>
+                  </a:srgbClr>
+                </a:outerShdw>
+              </a:effectLst>
+            </a:endParaRPr>
+          </a:p>
+        </p:txBody>
+      </p:sp>
+    </p:spTree>
+    <p:extLst>
+      <p:ext uri="{BB962C8B-B14F-4D97-AF65-F5344CB8AC3E}">
+        <p14:creationId xmlns:p14="http://schemas.microsoft.com/office/powerpoint/2010/main" val="1223418759"/>
+      </p:ext>
+    </p:extLst>
+  </p:cSld>
+  <p:clrMapOvr>
+    <a:masterClrMapping/>
+  </p:clrMapOvr>
+</p:sld>
+</file>
+
+<file path=ppt/slides/slide11.xml><?xml version="1.0" encoding="utf-8"?>
+<p:sld xmlns:a="http://schemas.openxmlformats.org/drawingml/2006/main" xmlns:r="http://schemas.openxmlformats.org/officeDocument/2006/relationships" xmlns:p="http://schemas.openxmlformats.org/presentationml/2006/main">
+  <p:cSld>
+    <p:spTree>
+      <p:nvGrpSpPr>
+        <p:cNvPr id="1" name=""/>
+        <p:cNvGrpSpPr/>
+        <p:nvPr/>
+      </p:nvGrpSpPr>
+      <p:grpSpPr>
+        <a:xfrm>
+          <a:off x="0" y="0"/>
+          <a:ext cx="0" cy="0"/>
+          <a:chOff x="0" y="0"/>
+          <a:chExt cx="0" cy="0"/>
+        </a:xfrm>
+      </p:grpSpPr>
+      <p:sp>
+        <p:nvSpPr>
+          <p:cNvPr id="2" name="Rectangle 1"/>
+          <p:cNvSpPr/>
+          <p:nvPr/>
+        </p:nvSpPr>
+        <p:spPr>
+          <a:xfrm>
+            <a:off x="0" y="0"/>
+            <a:ext cx="9144000" cy="5078313"/>
+          </a:xfrm>
+          <a:prstGeom prst="rect">
+            <a:avLst/>
+          </a:prstGeom>
+        </p:spPr>
+        <p:txBody>
+          <a:bodyPr wrap="square">
+            <a:spAutoFit/>
+          </a:bodyPr>
+          <a:lstStyle/>
+          <a:p>
+            <a:pPr algn="ctr"/>
+            <a:r>
+              <a:rPr lang="fr-FR" sz="5400" b="1" dirty="0" err="1"/>
+              <a:t>Ny</a:t>
+            </a:r>
+            <a:r>
+              <a:rPr lang="fr-FR" sz="5400" b="1" dirty="0"/>
+              <a:t> </a:t>
+            </a:r>
+            <a:r>
+              <a:rPr lang="fr-FR" sz="5400" b="1" dirty="0" err="1"/>
+              <a:t>tahony</a:t>
+            </a:r>
+            <a:r>
+              <a:rPr lang="fr-FR" sz="5400" b="1" dirty="0"/>
+              <a:t> </a:t>
+            </a:r>
+            <a:r>
+              <a:rPr lang="fr-FR" sz="5400" b="1" dirty="0" err="1"/>
+              <a:t>tondraho</a:t>
+            </a:r>
+            <a:r>
+              <a:rPr lang="fr-FR" sz="5400" b="1" dirty="0"/>
+              <a:t> </a:t>
+            </a:r>
+            <a:r>
+              <a:rPr lang="fr-FR" sz="5400" b="1" dirty="0" err="1"/>
+              <a:t>tsy</a:t>
+            </a:r>
+            <a:r>
+              <a:rPr lang="fr-FR" sz="5400" b="1" dirty="0"/>
+              <a:t> </a:t>
+            </a:r>
+            <a:r>
+              <a:rPr lang="fr-FR" sz="5400" b="1" dirty="0" err="1"/>
+              <a:t>halazo</a:t>
+            </a:r>
+            <a:r>
+              <a:rPr lang="fr-FR" sz="5400" b="1" dirty="0"/>
+              <a:t>;</a:t>
+            </a:r>
+          </a:p>
+          <a:p>
+            <a:pPr algn="ctr"/>
+            <a:r>
+              <a:rPr lang="fr-FR" sz="5400" b="1" dirty="0" err="1"/>
+              <a:t>Ry</a:t>
+            </a:r>
+            <a:r>
+              <a:rPr lang="fr-FR" sz="5400" b="1" dirty="0"/>
+              <a:t> </a:t>
+            </a:r>
+            <a:r>
+              <a:rPr lang="fr-FR" sz="5400" b="1" dirty="0" err="1"/>
+              <a:t>hery</a:t>
+            </a:r>
+            <a:r>
+              <a:rPr lang="fr-FR" sz="5400" b="1" dirty="0"/>
+              <a:t> </a:t>
+            </a:r>
+            <a:r>
+              <a:rPr lang="fr-FR" sz="5400" b="1" dirty="0" err="1"/>
+              <a:t>lehibe</a:t>
+            </a:r>
+            <a:r>
+              <a:rPr lang="fr-FR" sz="5400" b="1" dirty="0"/>
+              <a:t> </a:t>
+            </a:r>
+            <a:r>
+              <a:rPr lang="fr-FR" sz="5400" b="1" dirty="0" err="1"/>
+              <a:t>mba</a:t>
+            </a:r>
+            <a:r>
+              <a:rPr lang="fr-FR" sz="5400" b="1" dirty="0"/>
+              <a:t> </a:t>
+            </a:r>
+            <a:r>
+              <a:rPr lang="fr-FR" sz="5400" b="1" dirty="0" err="1"/>
+              <a:t>miasà</a:t>
+            </a:r>
+            <a:r>
+              <a:rPr lang="fr-FR" sz="5400" b="1" dirty="0"/>
+              <a:t> </a:t>
+            </a:r>
+            <a:r>
+              <a:rPr lang="fr-FR" sz="5400" b="1" dirty="0" err="1"/>
+              <a:t>izao</a:t>
+            </a:r>
+            <a:r>
+              <a:rPr lang="fr-FR" sz="5400" b="1" dirty="0"/>
+              <a:t>,</a:t>
+            </a:r>
+          </a:p>
+          <a:p>
+            <a:pPr algn="ctr"/>
+            <a:r>
+              <a:rPr lang="fr-FR" sz="5400" b="1" dirty="0" err="1"/>
+              <a:t>Mba</a:t>
+            </a:r>
+            <a:r>
+              <a:rPr lang="fr-FR" sz="5400" b="1" dirty="0"/>
+              <a:t> </a:t>
+            </a:r>
+            <a:r>
+              <a:rPr lang="fr-FR" sz="5400" b="1" dirty="0" err="1"/>
+              <a:t>hampidokadoka</a:t>
+            </a:r>
+            <a:r>
+              <a:rPr lang="fr-FR" sz="5400" b="1" dirty="0"/>
+              <a:t> </a:t>
+            </a:r>
+            <a:endParaRPr lang="fr-FR" sz="5400" b="1" dirty="0" smtClean="0"/>
+          </a:p>
+          <a:p>
+            <a:pPr algn="ctr"/>
+            <a:r>
+              <a:rPr lang="fr-FR" sz="5400" b="1" dirty="0" err="1" smtClean="0"/>
+              <a:t>ireto</a:t>
+            </a:r>
+            <a:r>
+              <a:rPr lang="fr-FR" sz="5400" b="1" dirty="0" smtClean="0"/>
+              <a:t> </a:t>
+            </a:r>
+            <a:r>
+              <a:rPr lang="fr-FR" sz="5400" b="1" dirty="0" err="1" smtClean="0"/>
+              <a:t>hazo</a:t>
+            </a:r>
+            <a:r>
+              <a:rPr lang="fr-FR" sz="5400" b="1" dirty="0" smtClean="0"/>
+              <a:t>;</a:t>
+            </a:r>
+          </a:p>
+          <a:p>
+            <a:pPr algn="ctr"/>
+            <a:r>
+              <a:rPr lang="fr-FR" sz="5400" b="1" dirty="0" err="1" smtClean="0"/>
+              <a:t>Ny</a:t>
+            </a:r>
+            <a:r>
+              <a:rPr lang="fr-FR" sz="5400" b="1" dirty="0" smtClean="0"/>
+              <a:t> </a:t>
+            </a:r>
+            <a:r>
+              <a:rPr lang="fr-FR" sz="5400" b="1" dirty="0"/>
+              <a:t>asa </a:t>
+            </a:r>
+            <a:r>
+              <a:rPr lang="fr-FR" sz="5400" b="1" dirty="0" err="1"/>
+              <a:t>izay</a:t>
+            </a:r>
+            <a:r>
+              <a:rPr lang="fr-FR" sz="5400" b="1" dirty="0"/>
+              <a:t> </a:t>
+            </a:r>
+            <a:r>
+              <a:rPr lang="fr-FR" sz="5400" b="1" dirty="0" err="1"/>
+              <a:t>atao</a:t>
+            </a:r>
+            <a:r>
+              <a:rPr lang="fr-FR" sz="5400" b="1" dirty="0"/>
+              <a:t> ho </a:t>
+            </a:r>
+            <a:r>
+              <a:rPr lang="fr-FR" sz="5400" b="1" dirty="0" err="1"/>
+              <a:t>voninahitrao</a:t>
+            </a:r>
+            <a:r>
+              <a:rPr lang="fr-FR" sz="5400" b="1" dirty="0"/>
+              <a:t>.</a:t>
+            </a:r>
+            <a:endParaRPr lang="fr-FR" sz="5400" b="1" dirty="0"/>
+          </a:p>
+        </p:txBody>
+      </p:sp>
+    </p:spTree>
+    <p:extLst>
+      <p:ext uri="{BB962C8B-B14F-4D97-AF65-F5344CB8AC3E}">
+        <p14:creationId xmlns:p14="http://schemas.microsoft.com/office/powerpoint/2010/main" val="3175102162"/>
       </p:ext>
     </p:extLst>
   </p:cSld>
@@ -4297,7 +4973,7 @@
         </p:nvSpPr>
         <p:spPr>
           <a:xfrm>
-            <a:off x="0" y="1"/>
+            <a:off x="0" y="-164554"/>
             <a:ext cx="9144000" cy="5143500"/>
           </a:xfrm>
         </p:spPr>
@@ -4308,7 +4984,7 @@
           <a:lstStyle/>
           <a:p>
             <a:r>
-              <a:rPr lang="fr-FR" sz="4800" b="1" dirty="0" smtClean="0">
+              <a:rPr lang="fr-FR" sz="6000" b="1" dirty="0" smtClean="0">
                 <a:effectLst>
                   <a:outerShdw blurRad="38100" dist="38100" dir="2700000" algn="tl">
                     <a:srgbClr val="000000">
@@ -4320,7 +4996,7 @@
               <a:t>2.Ry </a:t>
             </a:r>
             <a:r>
-              <a:rPr lang="fr-FR" sz="4800" b="1" dirty="0" err="1" smtClean="0">
+              <a:rPr lang="fr-FR" sz="6000" b="1" dirty="0" err="1" smtClean="0">
                 <a:effectLst>
                   <a:outerShdw blurRad="38100" dist="38100" dir="2700000" algn="tl">
                     <a:srgbClr val="000000">
@@ -4332,19 +5008,19 @@
               <a:t>Jeso</a:t>
             </a:r>
             <a:r>
-              <a:rPr lang="fr-FR" sz="4800" b="1" dirty="0" smtClean="0">
-                <a:effectLst>
-                  <a:outerShdw blurRad="38100" dist="38100" dir="2700000" algn="tl">
-                    <a:srgbClr val="000000">
-                      <a:alpha val="43137"/>
-                    </a:srgbClr>
-                  </a:outerShdw>
-                </a:effectLst>
-              </a:rPr>
-              <a:t> </a:t>
-            </a:r>
-            <a:r>
-              <a:rPr lang="fr-FR" sz="4800" b="1" dirty="0" err="1" smtClean="0">
+              <a:rPr lang="fr-FR" sz="6000" b="1" dirty="0" smtClean="0">
+                <a:effectLst>
+                  <a:outerShdw blurRad="38100" dist="38100" dir="2700000" algn="tl">
+                    <a:srgbClr val="000000">
+                      <a:alpha val="43137"/>
+                    </a:srgbClr>
+                  </a:outerShdw>
+                </a:effectLst>
+              </a:rPr>
+              <a:t> </a:t>
+            </a:r>
+            <a:r>
+              <a:rPr lang="fr-FR" sz="6000" b="1" dirty="0" err="1" smtClean="0">
                 <a:effectLst>
                   <a:outerShdw blurRad="38100" dist="38100" dir="2700000" algn="tl">
                     <a:srgbClr val="000000">
@@ -4356,19 +5032,19 @@
               <a:t>loharano</a:t>
             </a:r>
             <a:r>
-              <a:rPr lang="fr-FR" sz="4800" b="1" dirty="0" smtClean="0">
-                <a:effectLst>
-                  <a:outerShdw blurRad="38100" dist="38100" dir="2700000" algn="tl">
-                    <a:srgbClr val="000000">
-                      <a:alpha val="43137"/>
-                    </a:srgbClr>
-                  </a:outerShdw>
-                </a:effectLst>
-              </a:rPr>
-              <a:t> </a:t>
-            </a:r>
-            <a:r>
-              <a:rPr lang="fr-FR" sz="4800" b="1" dirty="0" err="1" smtClean="0">
+              <a:rPr lang="fr-FR" sz="6000" b="1" dirty="0" smtClean="0">
+                <a:effectLst>
+                  <a:outerShdw blurRad="38100" dist="38100" dir="2700000" algn="tl">
+                    <a:srgbClr val="000000">
+                      <a:alpha val="43137"/>
+                    </a:srgbClr>
+                  </a:outerShdw>
+                </a:effectLst>
+              </a:rPr>
+              <a:t> </a:t>
+            </a:r>
+            <a:r>
+              <a:rPr lang="fr-FR" sz="6000" b="1" dirty="0" err="1" smtClean="0">
                 <a:effectLst>
                   <a:outerShdw blurRad="38100" dist="38100" dir="2700000" algn="tl">
                     <a:srgbClr val="000000">
@@ -4380,19 +5056,19 @@
               <a:t>feno</a:t>
             </a:r>
             <a:r>
-              <a:rPr lang="fr-FR" sz="4800" b="1" dirty="0" smtClean="0">
-                <a:effectLst>
-                  <a:outerShdw blurRad="38100" dist="38100" dir="2700000" algn="tl">
-                    <a:srgbClr val="000000">
-                      <a:alpha val="43137"/>
-                    </a:srgbClr>
-                  </a:outerShdw>
-                </a:effectLst>
-              </a:rPr>
-              <a:t> </a:t>
-            </a:r>
-            <a:r>
-              <a:rPr lang="fr-FR" sz="4800" b="1" dirty="0" err="1" smtClean="0">
+              <a:rPr lang="fr-FR" sz="6000" b="1" dirty="0" smtClean="0">
+                <a:effectLst>
+                  <a:outerShdw blurRad="38100" dist="38100" dir="2700000" algn="tl">
+                    <a:srgbClr val="000000">
+                      <a:alpha val="43137"/>
+                    </a:srgbClr>
+                  </a:outerShdw>
+                </a:effectLst>
+              </a:rPr>
+              <a:t> </a:t>
+            </a:r>
+            <a:r>
+              <a:rPr lang="fr-FR" sz="6000" b="1" dirty="0" err="1" smtClean="0">
                 <a:effectLst>
                   <a:outerShdw blurRad="38100" dist="38100" dir="2700000" algn="tl">
                     <a:srgbClr val="000000">
@@ -4404,7 +5080,7 @@
               <a:t>soa</a:t>
             </a:r>
             <a:r>
-              <a:rPr lang="fr-FR" sz="4800" b="1" dirty="0" smtClean="0">
+              <a:rPr lang="fr-FR" sz="6000" b="1" dirty="0" smtClean="0">
                 <a:effectLst>
                   <a:outerShdw blurRad="38100" dist="38100" dir="2700000" algn="tl">
                     <a:srgbClr val="000000">
@@ -4416,7 +5092,7 @@
               <a:t/>
             </a:r>
             <a:br>
-              <a:rPr lang="fr-FR" sz="4800" b="1" dirty="0" smtClean="0">
+              <a:rPr lang="fr-FR" sz="6000" b="1" dirty="0" smtClean="0">
                 <a:effectLst>
                   <a:outerShdw blurRad="38100" dist="38100" dir="2700000" algn="tl">
                     <a:srgbClr val="000000">
@@ -4427,7 +5103,7 @@
               </a:rPr>
             </a:br>
             <a:r>
-              <a:rPr lang="fr-FR" sz="4800" b="1" dirty="0" err="1" smtClean="0">
+              <a:rPr lang="fr-FR" sz="6000" b="1" dirty="0" err="1" smtClean="0">
                 <a:effectLst>
                   <a:outerShdw blurRad="38100" dist="38100" dir="2700000" algn="tl">
                     <a:srgbClr val="000000">
@@ -4439,7 +5115,7 @@
               <a:t>Mangalaha</a:t>
             </a:r>
             <a:r>
-              <a:rPr lang="fr-FR" sz="4800" b="1" dirty="0" smtClean="0">
+              <a:rPr lang="fr-FR" sz="6000" b="1" dirty="0" smtClean="0">
                 <a:effectLst>
                   <a:outerShdw blurRad="38100" dist="38100" dir="2700000" algn="tl">
                     <a:srgbClr val="000000">
@@ -4451,7 +5127,7 @@
               <a:t> la </a:t>
             </a:r>
             <a:r>
-              <a:rPr lang="fr-FR" sz="4800" b="1" dirty="0" err="1" smtClean="0">
+              <a:rPr lang="fr-FR" sz="6000" b="1" dirty="0" err="1" smtClean="0">
                 <a:effectLst>
                   <a:outerShdw blurRad="38100" dist="38100" dir="2700000" algn="tl">
                     <a:srgbClr val="000000">
@@ -4463,19 +5139,19 @@
               <a:t>sady</a:t>
             </a:r>
             <a:r>
-              <a:rPr lang="fr-FR" sz="4800" b="1" dirty="0" smtClean="0">
-                <a:effectLst>
-                  <a:outerShdw blurRad="38100" dist="38100" dir="2700000" algn="tl">
-                    <a:srgbClr val="000000">
-                      <a:alpha val="43137"/>
-                    </a:srgbClr>
-                  </a:outerShdw>
-                </a:effectLst>
-              </a:rPr>
-              <a:t> </a:t>
-            </a:r>
-            <a:r>
-              <a:rPr lang="fr-FR" sz="4800" b="1" dirty="0" err="1" smtClean="0">
+              <a:rPr lang="fr-FR" sz="6000" b="1" dirty="0" smtClean="0">
+                <a:effectLst>
+                  <a:outerShdw blurRad="38100" dist="38100" dir="2700000" algn="tl">
+                    <a:srgbClr val="000000">
+                      <a:alpha val="43137"/>
+                    </a:srgbClr>
+                  </a:outerShdw>
+                </a:effectLst>
+              </a:rPr>
+              <a:t> </a:t>
+            </a:r>
+            <a:r>
+              <a:rPr lang="fr-FR" sz="6000" b="1" dirty="0" err="1" smtClean="0">
                 <a:effectLst>
                   <a:outerShdw blurRad="38100" dist="38100" dir="2700000" algn="tl">
                     <a:srgbClr val="000000">
@@ -4487,7 +5163,7 @@
               <a:t>fototr’aina</a:t>
             </a:r>
             <a:r>
-              <a:rPr lang="fr-FR" sz="4800" b="1" dirty="0" smtClean="0">
+              <a:rPr lang="fr-FR" sz="6000" b="1" dirty="0" smtClean="0">
                 <a:effectLst>
                   <a:outerShdw blurRad="38100" dist="38100" dir="2700000" algn="tl">
                     <a:srgbClr val="000000">
@@ -4499,7 +5175,7 @@
               <a:t/>
             </a:r>
             <a:br>
-              <a:rPr lang="fr-FR" sz="4800" b="1" dirty="0" smtClean="0">
+              <a:rPr lang="fr-FR" sz="6000" b="1" dirty="0" smtClean="0">
                 <a:effectLst>
                   <a:outerShdw blurRad="38100" dist="38100" dir="2700000" algn="tl">
                     <a:srgbClr val="000000">
@@ -4510,7 +5186,7 @@
               </a:rPr>
             </a:br>
             <a:r>
-              <a:rPr lang="fr-FR" sz="4800" b="1" dirty="0" err="1" smtClean="0">
+              <a:rPr lang="fr-FR" sz="6000" b="1" dirty="0" err="1" smtClean="0">
                 <a:effectLst>
                   <a:outerShdw blurRad="38100" dist="38100" dir="2700000" algn="tl">
                     <a:srgbClr val="000000">
@@ -4522,19 +5198,19 @@
               <a:t>Mahafa-ketaheta</a:t>
             </a:r>
             <a:r>
-              <a:rPr lang="fr-FR" sz="4800" b="1" dirty="0" smtClean="0">
-                <a:effectLst>
-                  <a:outerShdw blurRad="38100" dist="38100" dir="2700000" algn="tl">
-                    <a:srgbClr val="000000">
-                      <a:alpha val="43137"/>
-                    </a:srgbClr>
-                  </a:outerShdw>
-                </a:effectLst>
-              </a:rPr>
-              <a:t> </a:t>
-            </a:r>
-            <a:r>
-              <a:rPr lang="fr-FR" sz="4800" b="1" dirty="0" err="1" smtClean="0">
+              <a:rPr lang="fr-FR" sz="6000" b="1" dirty="0" smtClean="0">
+                <a:effectLst>
+                  <a:outerShdw blurRad="38100" dist="38100" dir="2700000" algn="tl">
+                    <a:srgbClr val="000000">
+                      <a:alpha val="43137"/>
+                    </a:srgbClr>
+                  </a:outerShdw>
+                </a:effectLst>
+              </a:rPr>
+              <a:t> </a:t>
+            </a:r>
+            <a:r>
+              <a:rPr lang="fr-FR" sz="6000" b="1" dirty="0" err="1" smtClean="0">
                 <a:effectLst>
                   <a:outerShdw blurRad="38100" dist="38100" dir="2700000" algn="tl">
                     <a:srgbClr val="000000">
@@ -4546,19 +5222,19 @@
               <a:t>izao</a:t>
             </a:r>
             <a:r>
-              <a:rPr lang="fr-FR" sz="4800" b="1" dirty="0" smtClean="0">
-                <a:effectLst>
-                  <a:outerShdw blurRad="38100" dist="38100" dir="2700000" algn="tl">
-                    <a:srgbClr val="000000">
-                      <a:alpha val="43137"/>
-                    </a:srgbClr>
-                  </a:outerShdw>
-                </a:effectLst>
-              </a:rPr>
-              <a:t> </a:t>
-            </a:r>
-            <a:r>
-              <a:rPr lang="fr-FR" sz="4800" b="1" dirty="0" err="1" smtClean="0">
+              <a:rPr lang="fr-FR" sz="6000" b="1" dirty="0" smtClean="0">
+                <a:effectLst>
+                  <a:outerShdw blurRad="38100" dist="38100" dir="2700000" algn="tl">
+                    <a:srgbClr val="000000">
+                      <a:alpha val="43137"/>
+                    </a:srgbClr>
+                  </a:outerShdw>
+                </a:effectLst>
+              </a:rPr>
+              <a:t> </a:t>
+            </a:r>
+            <a:r>
+              <a:rPr lang="fr-FR" sz="6000" b="1" dirty="0" err="1" smtClean="0">
                 <a:effectLst>
                   <a:outerShdw blurRad="38100" dist="38100" dir="2700000" algn="tl">
                     <a:srgbClr val="000000">
@@ -4570,19 +5246,19 @@
               <a:t>tontolo</a:t>
             </a:r>
             <a:r>
-              <a:rPr lang="fr-FR" sz="4800" b="1" dirty="0" smtClean="0">
-                <a:effectLst>
-                  <a:outerShdw blurRad="38100" dist="38100" dir="2700000" algn="tl">
-                    <a:srgbClr val="000000">
-                      <a:alpha val="43137"/>
-                    </a:srgbClr>
-                  </a:outerShdw>
-                </a:effectLst>
-              </a:rPr>
-              <a:t> </a:t>
-            </a:r>
-            <a:r>
-              <a:rPr lang="fr-FR" sz="4800" b="1" dirty="0" err="1" smtClean="0">
+              <a:rPr lang="fr-FR" sz="6000" b="1" dirty="0" smtClean="0">
+                <a:effectLst>
+                  <a:outerShdw blurRad="38100" dist="38100" dir="2700000" algn="tl">
+                    <a:srgbClr val="000000">
+                      <a:alpha val="43137"/>
+                    </a:srgbClr>
+                  </a:outerShdw>
+                </a:effectLst>
+              </a:rPr>
+              <a:t> </a:t>
+            </a:r>
+            <a:r>
+              <a:rPr lang="fr-FR" sz="6000" b="1" dirty="0" err="1" smtClean="0">
                 <a:effectLst>
                   <a:outerShdw blurRad="38100" dist="38100" dir="2700000" algn="tl">
                     <a:srgbClr val="000000">
@@ -4593,543 +5269,7 @@
               </a:rPr>
               <a:t>izao</a:t>
             </a:r>
-            <a:r>
-              <a:rPr lang="fr-FR" sz="4800" b="1" dirty="0" smtClean="0">
-                <a:effectLst>
-                  <a:outerShdw blurRad="38100" dist="38100" dir="2700000" algn="tl">
-                    <a:srgbClr val="000000">
-                      <a:alpha val="43137"/>
-                    </a:srgbClr>
-                  </a:outerShdw>
-                </a:effectLst>
-              </a:rPr>
-              <a:t/>
-            </a:r>
-            <a:br>
-              <a:rPr lang="fr-FR" sz="4800" b="1" dirty="0" smtClean="0">
-                <a:effectLst>
-                  <a:outerShdw blurRad="38100" dist="38100" dir="2700000" algn="tl">
-                    <a:srgbClr val="000000">
-                      <a:alpha val="43137"/>
-                    </a:srgbClr>
-                  </a:outerShdw>
-                </a:effectLst>
-              </a:rPr>
-            </a:br>
-            <a:r>
-              <a:rPr lang="fr-FR" sz="4800" b="1" dirty="0" err="1" smtClean="0">
-                <a:effectLst>
-                  <a:outerShdw blurRad="38100" dist="38100" dir="2700000" algn="tl">
-                    <a:srgbClr val="000000">
-                      <a:alpha val="43137"/>
-                    </a:srgbClr>
-                  </a:outerShdw>
-                </a:effectLst>
-              </a:rPr>
-              <a:t>Ary</a:t>
-            </a:r>
-            <a:r>
-              <a:rPr lang="fr-FR" sz="4800" b="1" dirty="0" smtClean="0">
-                <a:effectLst>
-                  <a:outerShdw blurRad="38100" dist="38100" dir="2700000" algn="tl">
-                    <a:srgbClr val="000000">
-                      <a:alpha val="43137"/>
-                    </a:srgbClr>
-                  </a:outerShdw>
-                </a:effectLst>
-              </a:rPr>
-              <a:t> </a:t>
-            </a:r>
-            <a:r>
-              <a:rPr lang="fr-FR" sz="4800" b="1" dirty="0" err="1" smtClean="0">
-                <a:effectLst>
-                  <a:outerShdw blurRad="38100" dist="38100" dir="2700000" algn="tl">
-                    <a:srgbClr val="000000">
-                      <a:alpha val="43137"/>
-                    </a:srgbClr>
-                  </a:outerShdw>
-                </a:effectLst>
-              </a:rPr>
-              <a:t>efa</a:t>
-            </a:r>
-            <a:r>
-              <a:rPr lang="fr-FR" sz="4800" b="1" dirty="0" smtClean="0">
-                <a:effectLst>
-                  <a:outerShdw blurRad="38100" dist="38100" dir="2700000" algn="tl">
-                    <a:srgbClr val="000000">
-                      <a:alpha val="43137"/>
-                    </a:srgbClr>
-                  </a:outerShdw>
-                </a:effectLst>
-              </a:rPr>
-              <a:t> </a:t>
-            </a:r>
-            <a:r>
-              <a:rPr lang="fr-FR" sz="4800" b="1" dirty="0" err="1" smtClean="0">
-                <a:effectLst>
-                  <a:outerShdw blurRad="38100" dist="38100" dir="2700000" algn="tl">
-                    <a:srgbClr val="000000">
-                      <a:alpha val="43137"/>
-                    </a:srgbClr>
-                  </a:outerShdw>
-                </a:effectLst>
-              </a:rPr>
-              <a:t>ampy</a:t>
-            </a:r>
-            <a:r>
-              <a:rPr lang="fr-FR" sz="4800" b="1" dirty="0" smtClean="0">
-                <a:effectLst>
-                  <a:outerShdw blurRad="38100" dist="38100" dir="2700000" algn="tl">
-                    <a:srgbClr val="000000">
-                      <a:alpha val="43137"/>
-                    </a:srgbClr>
-                  </a:outerShdw>
-                </a:effectLst>
-              </a:rPr>
-              <a:t> </a:t>
-            </a:r>
-            <a:r>
-              <a:rPr lang="fr-FR" sz="4800" b="1" dirty="0" err="1" smtClean="0">
-                <a:effectLst>
-                  <a:outerShdw blurRad="38100" dist="38100" dir="2700000" algn="tl">
-                    <a:srgbClr val="000000">
-                      <a:alpha val="43137"/>
-                    </a:srgbClr>
-                  </a:outerShdw>
-                </a:effectLst>
-              </a:rPr>
-              <a:t>izay</a:t>
-            </a:r>
-            <a:r>
-              <a:rPr lang="fr-FR" sz="4800" b="1" dirty="0" smtClean="0">
-                <a:effectLst>
-                  <a:outerShdw blurRad="38100" dist="38100" dir="2700000" algn="tl">
-                    <a:srgbClr val="000000">
-                      <a:alpha val="43137"/>
-                    </a:srgbClr>
-                  </a:outerShdw>
-                </a:effectLst>
-              </a:rPr>
-              <a:t> </a:t>
-            </a:r>
-            <a:r>
-              <a:rPr lang="fr-FR" sz="4800" b="1" dirty="0" err="1" smtClean="0">
-                <a:effectLst>
-                  <a:outerShdw blurRad="38100" dist="38100" dir="2700000" algn="tl">
-                    <a:srgbClr val="000000">
-                      <a:alpha val="43137"/>
-                    </a:srgbClr>
-                  </a:outerShdw>
-                </a:effectLst>
-              </a:rPr>
-              <a:t>rehetra</a:t>
-            </a:r>
-            <a:r>
-              <a:rPr lang="fr-FR" sz="4800" b="1" dirty="0" smtClean="0">
-                <a:effectLst>
-                  <a:outerShdw blurRad="38100" dist="38100" dir="2700000" algn="tl">
-                    <a:srgbClr val="000000">
-                      <a:alpha val="43137"/>
-                    </a:srgbClr>
-                  </a:outerShdw>
-                </a:effectLst>
-              </a:rPr>
-              <a:t> </a:t>
-            </a:r>
-            <a:r>
-              <a:rPr lang="fr-FR" sz="4800" b="1" dirty="0" err="1" smtClean="0">
-                <a:effectLst>
-                  <a:outerShdw blurRad="38100" dist="38100" dir="2700000" algn="tl">
-                    <a:srgbClr val="000000">
-                      <a:alpha val="43137"/>
-                    </a:srgbClr>
-                  </a:outerShdw>
-                </a:effectLst>
-              </a:rPr>
-              <a:t>ilaina</a:t>
-            </a:r>
-            <a:r>
-              <a:rPr lang="fr-FR" sz="4800" b="1" dirty="0" smtClean="0">
-                <a:effectLst>
-                  <a:outerShdw blurRad="38100" dist="38100" dir="2700000" algn="tl">
-                    <a:srgbClr val="000000">
-                      <a:alpha val="43137"/>
-                    </a:srgbClr>
-                  </a:outerShdw>
-                </a:effectLst>
-              </a:rPr>
-              <a:t/>
-            </a:r>
-            <a:br>
-              <a:rPr lang="fr-FR" sz="4800" b="1" dirty="0" smtClean="0">
-                <a:effectLst>
-                  <a:outerShdw blurRad="38100" dist="38100" dir="2700000" algn="tl">
-                    <a:srgbClr val="000000">
-                      <a:alpha val="43137"/>
-                    </a:srgbClr>
-                  </a:outerShdw>
-                </a:effectLst>
-              </a:rPr>
-            </a:br>
-            <a:r>
-              <a:rPr lang="fr-FR" sz="4800" b="1" dirty="0" err="1" smtClean="0">
-                <a:effectLst>
-                  <a:outerShdw blurRad="38100" dist="38100" dir="2700000" algn="tl">
-                    <a:srgbClr val="000000">
-                      <a:alpha val="43137"/>
-                    </a:srgbClr>
-                  </a:outerShdw>
-                </a:effectLst>
-              </a:rPr>
-              <a:t>Ny</a:t>
-            </a:r>
-            <a:r>
-              <a:rPr lang="fr-FR" sz="4800" b="1" dirty="0" smtClean="0">
-                <a:effectLst>
-                  <a:outerShdw blurRad="38100" dist="38100" dir="2700000" algn="tl">
-                    <a:srgbClr val="000000">
-                      <a:alpha val="43137"/>
-                    </a:srgbClr>
-                  </a:outerShdw>
-                </a:effectLst>
-              </a:rPr>
-              <a:t> </a:t>
-            </a:r>
-            <a:r>
-              <a:rPr lang="fr-FR" sz="4800" b="1" dirty="0" err="1" smtClean="0">
-                <a:effectLst>
-                  <a:outerShdw blurRad="38100" dist="38100" dir="2700000" algn="tl">
-                    <a:srgbClr val="000000">
-                      <a:alpha val="43137"/>
-                    </a:srgbClr>
-                  </a:outerShdw>
-                </a:effectLst>
-              </a:rPr>
-              <a:t>taninay</a:t>
-            </a:r>
-            <a:r>
-              <a:rPr lang="fr-FR" sz="4800" b="1" dirty="0" smtClean="0">
-                <a:effectLst>
-                  <a:outerShdw blurRad="38100" dist="38100" dir="2700000" algn="tl">
-                    <a:srgbClr val="000000">
-                      <a:alpha val="43137"/>
-                    </a:srgbClr>
-                  </a:outerShdw>
-                </a:effectLst>
-              </a:rPr>
-              <a:t> </a:t>
-            </a:r>
-            <a:r>
-              <a:rPr lang="fr-FR" sz="4800" b="1" dirty="0" err="1" smtClean="0">
-                <a:effectLst>
-                  <a:outerShdw blurRad="38100" dist="38100" dir="2700000" algn="tl">
-                    <a:srgbClr val="000000">
-                      <a:alpha val="43137"/>
-                    </a:srgbClr>
-                  </a:outerShdw>
-                </a:effectLst>
-              </a:rPr>
-              <a:t>ry</a:t>
-            </a:r>
-            <a:r>
-              <a:rPr lang="fr-FR" sz="4800" b="1" dirty="0" smtClean="0">
-                <a:effectLst>
-                  <a:outerShdw blurRad="38100" dist="38100" dir="2700000" algn="tl">
-                    <a:srgbClr val="000000">
-                      <a:alpha val="43137"/>
-                    </a:srgbClr>
-                  </a:outerShdw>
-                </a:effectLst>
-              </a:rPr>
-              <a:t> </a:t>
-            </a:r>
-            <a:r>
-              <a:rPr lang="fr-FR" sz="4800" b="1" dirty="0" err="1" smtClean="0">
-                <a:effectLst>
-                  <a:outerShdw blurRad="38100" dist="38100" dir="2700000" algn="tl">
-                    <a:srgbClr val="000000">
-                      <a:alpha val="43137"/>
-                    </a:srgbClr>
-                  </a:outerShdw>
-                </a:effectLst>
-              </a:rPr>
-              <a:t>Jeso</a:t>
-            </a:r>
-            <a:r>
-              <a:rPr lang="fr-FR" sz="4800" b="1" dirty="0" smtClean="0">
-                <a:effectLst>
-                  <a:outerShdw blurRad="38100" dist="38100" dir="2700000" algn="tl">
-                    <a:srgbClr val="000000">
-                      <a:alpha val="43137"/>
-                    </a:srgbClr>
-                  </a:outerShdw>
-                </a:effectLst>
-              </a:rPr>
-              <a:t> </a:t>
-            </a:r>
-            <a:r>
-              <a:rPr lang="fr-FR" sz="4800" b="1" dirty="0" err="1" smtClean="0">
-                <a:effectLst>
-                  <a:outerShdw blurRad="38100" dist="38100" dir="2700000" algn="tl">
-                    <a:srgbClr val="000000">
-                      <a:alpha val="43137"/>
-                    </a:srgbClr>
-                  </a:outerShdw>
-                </a:effectLst>
-              </a:rPr>
-              <a:t>mba</a:t>
-            </a:r>
-            <a:r>
-              <a:rPr lang="fr-FR" sz="4800" b="1" dirty="0" smtClean="0">
-                <a:effectLst>
-                  <a:outerShdw blurRad="38100" dist="38100" dir="2700000" algn="tl">
-                    <a:srgbClr val="000000">
-                      <a:alpha val="43137"/>
-                    </a:srgbClr>
-                  </a:outerShdw>
-                </a:effectLst>
-              </a:rPr>
-              <a:t> </a:t>
-            </a:r>
-            <a:r>
-              <a:rPr lang="fr-FR" sz="4800" b="1" dirty="0" err="1" smtClean="0">
-                <a:effectLst>
-                  <a:outerShdw blurRad="38100" dist="38100" dir="2700000" algn="tl">
-                    <a:srgbClr val="000000">
-                      <a:alpha val="43137"/>
-                    </a:srgbClr>
-                  </a:outerShdw>
-                </a:effectLst>
-              </a:rPr>
-              <a:t>onenanao</a:t>
-            </a:r>
-            <a:r>
-              <a:rPr lang="fr-FR" sz="4800" b="1" dirty="0" smtClean="0">
-                <a:effectLst>
-                  <a:outerShdw blurRad="38100" dist="38100" dir="2700000" algn="tl">
-                    <a:srgbClr val="000000">
-                      <a:alpha val="43137"/>
-                    </a:srgbClr>
-                  </a:outerShdw>
-                </a:effectLst>
-              </a:rPr>
-              <a:t/>
-            </a:r>
-            <a:br>
-              <a:rPr lang="fr-FR" sz="4800" b="1" dirty="0" smtClean="0">
-                <a:effectLst>
-                  <a:outerShdw blurRad="38100" dist="38100" dir="2700000" algn="tl">
-                    <a:srgbClr val="000000">
-                      <a:alpha val="43137"/>
-                    </a:srgbClr>
-                  </a:outerShdw>
-                </a:effectLst>
-              </a:rPr>
-            </a:br>
-            <a:r>
-              <a:rPr lang="fr-FR" sz="4800" b="1" dirty="0" smtClean="0">
-                <a:effectLst>
-                  <a:outerShdw blurRad="38100" dist="38100" dir="2700000" algn="tl">
-                    <a:srgbClr val="000000">
-                      <a:alpha val="43137"/>
-                    </a:srgbClr>
-                  </a:outerShdw>
-                </a:effectLst>
-              </a:rPr>
-              <a:t>Fa </a:t>
-            </a:r>
-            <a:r>
-              <a:rPr lang="fr-FR" sz="4800" b="1" dirty="0" err="1" smtClean="0">
-                <a:effectLst>
-                  <a:outerShdw blurRad="38100" dist="38100" dir="2700000" algn="tl">
-                    <a:srgbClr val="000000">
-                      <a:alpha val="43137"/>
-                    </a:srgbClr>
-                  </a:outerShdw>
-                </a:effectLst>
-              </a:rPr>
-              <a:t>raha</a:t>
-            </a:r>
-            <a:r>
-              <a:rPr lang="fr-FR" sz="4800" b="1" dirty="0" smtClean="0">
-                <a:effectLst>
-                  <a:outerShdw blurRad="38100" dist="38100" dir="2700000" algn="tl">
-                    <a:srgbClr val="000000">
-                      <a:alpha val="43137"/>
-                    </a:srgbClr>
-                  </a:outerShdw>
-                </a:effectLst>
-              </a:rPr>
-              <a:t> </a:t>
-            </a:r>
-            <a:r>
-              <a:rPr lang="fr-FR" sz="4800" b="1" dirty="0" err="1" smtClean="0">
-                <a:effectLst>
-                  <a:outerShdw blurRad="38100" dist="38100" dir="2700000" algn="tl">
-                    <a:srgbClr val="000000">
-                      <a:alpha val="43137"/>
-                    </a:srgbClr>
-                  </a:outerShdw>
-                </a:effectLst>
-              </a:rPr>
-              <a:t>ilaozanao</a:t>
-            </a:r>
-            <a:r>
-              <a:rPr lang="fr-FR" sz="4800" b="1" dirty="0" smtClean="0">
-                <a:effectLst>
-                  <a:outerShdw blurRad="38100" dist="38100" dir="2700000" algn="tl">
-                    <a:srgbClr val="000000">
-                      <a:alpha val="43137"/>
-                    </a:srgbClr>
-                  </a:outerShdw>
-                </a:effectLst>
-              </a:rPr>
-              <a:t> dia </a:t>
-            </a:r>
-            <a:r>
-              <a:rPr lang="fr-FR" sz="4800" b="1" dirty="0" err="1" smtClean="0">
-                <a:effectLst>
-                  <a:outerShdw blurRad="38100" dist="38100" dir="2700000" algn="tl">
-                    <a:srgbClr val="000000">
-                      <a:alpha val="43137"/>
-                    </a:srgbClr>
-                  </a:outerShdw>
-                </a:effectLst>
-              </a:rPr>
-              <a:t>karankaina</a:t>
-            </a:r>
-            <a:r>
-              <a:rPr lang="fr-FR" sz="4800" b="1" dirty="0" smtClean="0">
-                <a:effectLst>
-                  <a:outerShdw blurRad="38100" dist="38100" dir="2700000" algn="tl">
-                    <a:srgbClr val="000000">
-                      <a:alpha val="43137"/>
-                    </a:srgbClr>
-                  </a:outerShdw>
-                </a:effectLst>
-              </a:rPr>
-              <a:t/>
-            </a:r>
-            <a:br>
-              <a:rPr lang="fr-FR" sz="4800" b="1" dirty="0" smtClean="0">
-                <a:effectLst>
-                  <a:outerShdw blurRad="38100" dist="38100" dir="2700000" algn="tl">
-                    <a:srgbClr val="000000">
-                      <a:alpha val="43137"/>
-                    </a:srgbClr>
-                  </a:outerShdw>
-                </a:effectLst>
-              </a:rPr>
-            </a:br>
-            <a:r>
-              <a:rPr lang="fr-FR" sz="4800" b="1" dirty="0" err="1" smtClean="0">
-                <a:effectLst>
-                  <a:outerShdw blurRad="38100" dist="38100" dir="2700000" algn="tl">
-                    <a:srgbClr val="000000">
-                      <a:alpha val="43137"/>
-                    </a:srgbClr>
-                  </a:outerShdw>
-                </a:effectLst>
-              </a:rPr>
-              <a:t>Tomoera</a:t>
-            </a:r>
-            <a:r>
-              <a:rPr lang="fr-FR" sz="4800" b="1" dirty="0" smtClean="0">
-                <a:effectLst>
-                  <a:outerShdw blurRad="38100" dist="38100" dir="2700000" algn="tl">
-                    <a:srgbClr val="000000">
-                      <a:alpha val="43137"/>
-                    </a:srgbClr>
-                  </a:outerShdw>
-                </a:effectLst>
-              </a:rPr>
-              <a:t> </a:t>
-            </a:r>
-            <a:r>
-              <a:rPr lang="fr-FR" sz="4800" b="1" dirty="0" err="1" smtClean="0">
-                <a:effectLst>
-                  <a:outerShdw blurRad="38100" dist="38100" dir="2700000" algn="tl">
-                    <a:srgbClr val="000000">
-                      <a:alpha val="43137"/>
-                    </a:srgbClr>
-                  </a:outerShdw>
-                </a:effectLst>
-              </a:rPr>
-              <a:t>Tompo</a:t>
-            </a:r>
-            <a:r>
-              <a:rPr lang="fr-FR" sz="4800" b="1" dirty="0" smtClean="0">
-                <a:effectLst>
-                  <a:outerShdw blurRad="38100" dist="38100" dir="2700000" algn="tl">
-                    <a:srgbClr val="000000">
-                      <a:alpha val="43137"/>
-                    </a:srgbClr>
-                  </a:outerShdw>
-                </a:effectLst>
-              </a:rPr>
-              <a:t> </a:t>
-            </a:r>
-            <a:r>
-              <a:rPr lang="fr-FR" sz="4800" b="1" dirty="0" err="1" smtClean="0">
-                <a:effectLst>
-                  <a:outerShdw blurRad="38100" dist="38100" dir="2700000" algn="tl">
-                    <a:srgbClr val="000000">
-                      <a:alpha val="43137"/>
-                    </a:srgbClr>
-                  </a:outerShdw>
-                </a:effectLst>
-              </a:rPr>
-              <a:t>ô!monena</a:t>
-            </a:r>
-            <a:r>
-              <a:rPr lang="fr-FR" sz="4800" b="1" dirty="0" smtClean="0">
-                <a:effectLst>
-                  <a:outerShdw blurRad="38100" dist="38100" dir="2700000" algn="tl">
-                    <a:srgbClr val="000000">
-                      <a:alpha val="43137"/>
-                    </a:srgbClr>
-                  </a:outerShdw>
-                </a:effectLst>
-              </a:rPr>
-              <a:t> </a:t>
-            </a:r>
-            <a:r>
-              <a:rPr lang="fr-FR" sz="4800" b="1" dirty="0" err="1" smtClean="0">
-                <a:effectLst>
-                  <a:outerShdw blurRad="38100" dist="38100" dir="2700000" algn="tl">
-                    <a:srgbClr val="000000">
-                      <a:alpha val="43137"/>
-                    </a:srgbClr>
-                  </a:outerShdw>
-                </a:effectLst>
-              </a:rPr>
-              <a:t>re</a:t>
-            </a:r>
-            <a:r>
-              <a:rPr lang="fr-FR" sz="4800" b="1" dirty="0" smtClean="0">
-                <a:effectLst>
-                  <a:outerShdw blurRad="38100" dist="38100" dir="2700000" algn="tl">
-                    <a:srgbClr val="000000">
-                      <a:alpha val="43137"/>
-                    </a:srgbClr>
-                  </a:outerShdw>
-                </a:effectLst>
-              </a:rPr>
-              <a:t> </a:t>
-            </a:r>
-            <a:r>
-              <a:rPr lang="fr-FR" sz="4800" b="1" dirty="0" err="1" smtClean="0">
-                <a:effectLst>
-                  <a:outerShdw blurRad="38100" dist="38100" dir="2700000" algn="tl">
-                    <a:srgbClr val="000000">
-                      <a:alpha val="43137"/>
-                    </a:srgbClr>
-                  </a:outerShdw>
-                </a:effectLst>
-              </a:rPr>
-              <a:t>izao</a:t>
-            </a:r>
-            <a:endParaRPr lang="fr-FR" sz="4800" b="1" dirty="0">
+            <a:endParaRPr lang="fr-FR" sz="6000" b="1" dirty="0">
               <a:effectLst>
                 <a:outerShdw blurRad="38100" dist="38100" dir="2700000" algn="tl">
                   <a:srgbClr val="000000">
@@ -5173,88 +5313,231 @@
       </p:grpSpPr>
       <p:sp>
         <p:nvSpPr>
-          <p:cNvPr id="2" name="Titre 1"/>
-          <p:cNvSpPr>
-            <a:spLocks noGrp="1"/>
-          </p:cNvSpPr>
-          <p:nvPr>
-            <p:ph type="ctrTitle"/>
-          </p:nvPr>
+          <p:cNvPr id="4" name="Rectangle 3"/>
+          <p:cNvSpPr/>
+          <p:nvPr/>
         </p:nvSpPr>
         <p:spPr>
           <a:xfrm>
-            <a:off x="0" y="1"/>
-            <a:ext cx="9144000" cy="5143500"/>
+            <a:off x="0" y="0"/>
+            <a:ext cx="9144000" cy="5262979"/>
           </a:xfrm>
+          <a:prstGeom prst="rect">
+            <a:avLst/>
+          </a:prstGeom>
         </p:spPr>
         <p:txBody>
-          <a:bodyPr>
-            <a:noAutofit/>
+          <a:bodyPr wrap="square">
+            <a:spAutoFit/>
           </a:bodyPr>
           <a:lstStyle/>
           <a:p>
-            <a:r>
-              <a:rPr lang="fr-FR" sz="4800" b="1" dirty="0" smtClean="0">
-                <a:effectLst>
-                  <a:outerShdw blurRad="38100" dist="38100" dir="2700000" algn="tl">
-                    <a:srgbClr val="000000">
-                      <a:alpha val="43137"/>
-                    </a:srgbClr>
-                  </a:outerShdw>
-                </a:effectLst>
-              </a:rPr>
-              <a:t>3.Ny </a:t>
-            </a:r>
-            <a:r>
-              <a:rPr lang="fr-FR" sz="4800" b="1" dirty="0" err="1" smtClean="0">
-                <a:effectLst>
-                  <a:outerShdw blurRad="38100" dist="38100" dir="2700000" algn="tl">
-                    <a:srgbClr val="000000">
-                      <a:alpha val="43137"/>
-                    </a:srgbClr>
-                  </a:outerShdw>
-                </a:effectLst>
-              </a:rPr>
-              <a:t>asanao</a:t>
-            </a:r>
-            <a:r>
-              <a:rPr lang="fr-FR" sz="4800" b="1" dirty="0" smtClean="0">
-                <a:effectLst>
-                  <a:outerShdw blurRad="38100" dist="38100" dir="2700000" algn="tl">
-                    <a:srgbClr val="000000">
-                      <a:alpha val="43137"/>
-                    </a:srgbClr>
-                  </a:outerShdw>
-                </a:effectLst>
-              </a:rPr>
-              <a:t> </a:t>
-            </a:r>
-            <a:r>
-              <a:rPr lang="fr-FR" sz="4800" b="1" dirty="0" err="1" smtClean="0">
-                <a:effectLst>
-                  <a:outerShdw blurRad="38100" dist="38100" dir="2700000" algn="tl">
-                    <a:srgbClr val="000000">
-                      <a:alpha val="43137"/>
-                    </a:srgbClr>
-                  </a:outerShdw>
-                </a:effectLst>
-              </a:rPr>
-              <a:t>mangina</a:t>
-            </a:r>
-            <a:r>
-              <a:rPr lang="fr-FR" sz="4800" b="1" dirty="0" smtClean="0">
-                <a:effectLst>
-                  <a:outerShdw blurRad="38100" dist="38100" dir="2700000" algn="tl">
-                    <a:srgbClr val="000000">
-                      <a:alpha val="43137"/>
-                    </a:srgbClr>
-                  </a:outerShdw>
-                </a:effectLst>
-              </a:rPr>
-              <a:t> </a:t>
-            </a:r>
-            <a:r>
-              <a:rPr lang="fr-FR" sz="4800" b="1" dirty="0" err="1" smtClean="0">
+            <a:pPr algn="ctr"/>
+            <a:r>
+              <a:rPr lang="fr-FR" sz="4800" b="1" dirty="0" err="1">
+                <a:effectLst>
+                  <a:outerShdw blurRad="38100" dist="38100" dir="2700000" algn="tl">
+                    <a:srgbClr val="000000">
+                      <a:alpha val="43137"/>
+                    </a:srgbClr>
+                  </a:outerShdw>
+                </a:effectLst>
+              </a:rPr>
+              <a:t>Ary</a:t>
+            </a:r>
+            <a:r>
+              <a:rPr lang="fr-FR" sz="4800" b="1" dirty="0">
+                <a:effectLst>
+                  <a:outerShdw blurRad="38100" dist="38100" dir="2700000" algn="tl">
+                    <a:srgbClr val="000000">
+                      <a:alpha val="43137"/>
+                    </a:srgbClr>
+                  </a:outerShdw>
+                </a:effectLst>
+              </a:rPr>
+              <a:t> </a:t>
+            </a:r>
+            <a:r>
+              <a:rPr lang="fr-FR" sz="4800" b="1" dirty="0" err="1">
+                <a:effectLst>
+                  <a:outerShdw blurRad="38100" dist="38100" dir="2700000" algn="tl">
+                    <a:srgbClr val="000000">
+                      <a:alpha val="43137"/>
+                    </a:srgbClr>
+                  </a:outerShdw>
+                </a:effectLst>
+              </a:rPr>
+              <a:t>efa</a:t>
+            </a:r>
+            <a:r>
+              <a:rPr lang="fr-FR" sz="4800" b="1" dirty="0">
+                <a:effectLst>
+                  <a:outerShdw blurRad="38100" dist="38100" dir="2700000" algn="tl">
+                    <a:srgbClr val="000000">
+                      <a:alpha val="43137"/>
+                    </a:srgbClr>
+                  </a:outerShdw>
+                </a:effectLst>
+              </a:rPr>
+              <a:t> </a:t>
+            </a:r>
+            <a:r>
+              <a:rPr lang="fr-FR" sz="4800" b="1" dirty="0" err="1">
+                <a:effectLst>
+                  <a:outerShdw blurRad="38100" dist="38100" dir="2700000" algn="tl">
+                    <a:srgbClr val="000000">
+                      <a:alpha val="43137"/>
+                    </a:srgbClr>
+                  </a:outerShdw>
+                </a:effectLst>
+              </a:rPr>
+              <a:t>ampy</a:t>
+            </a:r>
+            <a:r>
+              <a:rPr lang="fr-FR" sz="4800" b="1" dirty="0">
+                <a:effectLst>
+                  <a:outerShdw blurRad="38100" dist="38100" dir="2700000" algn="tl">
+                    <a:srgbClr val="000000">
+                      <a:alpha val="43137"/>
+                    </a:srgbClr>
+                  </a:outerShdw>
+                </a:effectLst>
+              </a:rPr>
+              <a:t> </a:t>
+            </a:r>
+            <a:r>
+              <a:rPr lang="fr-FR" sz="4800" b="1" dirty="0" err="1">
+                <a:effectLst>
+                  <a:outerShdw blurRad="38100" dist="38100" dir="2700000" algn="tl">
+                    <a:srgbClr val="000000">
+                      <a:alpha val="43137"/>
+                    </a:srgbClr>
+                  </a:outerShdw>
+                </a:effectLst>
+              </a:rPr>
+              <a:t>izay</a:t>
+            </a:r>
+            <a:r>
+              <a:rPr lang="fr-FR" sz="4800" b="1" dirty="0">
+                <a:effectLst>
+                  <a:outerShdw blurRad="38100" dist="38100" dir="2700000" algn="tl">
+                    <a:srgbClr val="000000">
+                      <a:alpha val="43137"/>
+                    </a:srgbClr>
+                  </a:outerShdw>
+                </a:effectLst>
+              </a:rPr>
+              <a:t> </a:t>
+            </a:r>
+            <a:r>
+              <a:rPr lang="fr-FR" sz="4800" b="1" dirty="0" err="1">
+                <a:effectLst>
+                  <a:outerShdw blurRad="38100" dist="38100" dir="2700000" algn="tl">
+                    <a:srgbClr val="000000">
+                      <a:alpha val="43137"/>
+                    </a:srgbClr>
+                  </a:outerShdw>
+                </a:effectLst>
+              </a:rPr>
+              <a:t>rehetra</a:t>
+            </a:r>
+            <a:r>
+              <a:rPr lang="fr-FR" sz="4800" b="1" dirty="0">
+                <a:effectLst>
+                  <a:outerShdw blurRad="38100" dist="38100" dir="2700000" algn="tl">
+                    <a:srgbClr val="000000">
+                      <a:alpha val="43137"/>
+                    </a:srgbClr>
+                  </a:outerShdw>
+                </a:effectLst>
+              </a:rPr>
+              <a:t> </a:t>
+            </a:r>
+            <a:r>
+              <a:rPr lang="fr-FR" sz="4800" b="1" dirty="0" err="1">
+                <a:effectLst>
+                  <a:outerShdw blurRad="38100" dist="38100" dir="2700000" algn="tl">
+                    <a:srgbClr val="000000">
+                      <a:alpha val="43137"/>
+                    </a:srgbClr>
+                  </a:outerShdw>
+                </a:effectLst>
+              </a:rPr>
+              <a:t>ilaina</a:t>
+            </a:r>
+            <a:r>
+              <a:rPr lang="fr-FR" sz="4800" b="1" dirty="0">
+                <a:effectLst>
+                  <a:outerShdw blurRad="38100" dist="38100" dir="2700000" algn="tl">
+                    <a:srgbClr val="000000">
+                      <a:alpha val="43137"/>
+                    </a:srgbClr>
+                  </a:outerShdw>
+                </a:effectLst>
+              </a:rPr>
+              <a:t/>
+            </a:r>
+            <a:br>
+              <a:rPr lang="fr-FR" sz="4800" b="1" dirty="0">
+                <a:effectLst>
+                  <a:outerShdw blurRad="38100" dist="38100" dir="2700000" algn="tl">
+                    <a:srgbClr val="000000">
+                      <a:alpha val="43137"/>
+                    </a:srgbClr>
+                  </a:outerShdw>
+                </a:effectLst>
+              </a:rPr>
+            </a:br>
+            <a:r>
+              <a:rPr lang="fr-FR" sz="4800" b="1" dirty="0" err="1">
+                <a:effectLst>
+                  <a:outerShdw blurRad="38100" dist="38100" dir="2700000" algn="tl">
+                    <a:srgbClr val="000000">
+                      <a:alpha val="43137"/>
+                    </a:srgbClr>
+                  </a:outerShdw>
+                </a:effectLst>
+              </a:rPr>
+              <a:t>Ny</a:t>
+            </a:r>
+            <a:r>
+              <a:rPr lang="fr-FR" sz="4800" b="1" dirty="0">
+                <a:effectLst>
+                  <a:outerShdw blurRad="38100" dist="38100" dir="2700000" algn="tl">
+                    <a:srgbClr val="000000">
+                      <a:alpha val="43137"/>
+                    </a:srgbClr>
+                  </a:outerShdw>
+                </a:effectLst>
+              </a:rPr>
+              <a:t> </a:t>
+            </a:r>
+            <a:r>
+              <a:rPr lang="fr-FR" sz="4800" b="1" dirty="0" err="1">
+                <a:effectLst>
+                  <a:outerShdw blurRad="38100" dist="38100" dir="2700000" algn="tl">
+                    <a:srgbClr val="000000">
+                      <a:alpha val="43137"/>
+                    </a:srgbClr>
+                  </a:outerShdw>
+                </a:effectLst>
+              </a:rPr>
+              <a:t>taninay</a:t>
+            </a:r>
+            <a:r>
+              <a:rPr lang="fr-FR" sz="4800" b="1" dirty="0">
+                <a:effectLst>
+                  <a:outerShdw blurRad="38100" dist="38100" dir="2700000" algn="tl">
+                    <a:srgbClr val="000000">
+                      <a:alpha val="43137"/>
+                    </a:srgbClr>
+                  </a:outerShdw>
+                </a:effectLst>
+              </a:rPr>
+              <a:t> </a:t>
+            </a:r>
+            <a:r>
+              <a:rPr lang="fr-FR" sz="4800" b="1" dirty="0" err="1">
                 <a:effectLst>
                   <a:outerShdw blurRad="38100" dist="38100" dir="2700000" algn="tl">
                     <a:srgbClr val="000000">
@@ -5266,804 +5549,42 @@
               <a:t>ry</a:t>
             </a:r>
             <a:r>
-              <a:rPr lang="fr-FR" sz="4800" b="1" dirty="0" smtClean="0">
-                <a:effectLst>
-                  <a:outerShdw blurRad="38100" dist="38100" dir="2700000" algn="tl">
-                    <a:srgbClr val="000000">
-                      <a:alpha val="43137"/>
-                    </a:srgbClr>
-                  </a:outerShdw>
-                </a:effectLst>
-              </a:rPr>
-              <a:t> </a:t>
-            </a:r>
-            <a:r>
-              <a:rPr lang="fr-FR" sz="4800" b="1" dirty="0" err="1" smtClean="0">
-                <a:effectLst>
-                  <a:outerShdw blurRad="38100" dist="38100" dir="2700000" algn="tl">
-                    <a:srgbClr val="000000">
-                      <a:alpha val="43137"/>
-                    </a:srgbClr>
-                  </a:outerShdw>
-                </a:effectLst>
-              </a:rPr>
-              <a:t>fanahy</a:t>
-            </a:r>
-            <a:r>
-              <a:rPr lang="fr-FR" sz="4800" b="1" dirty="0" smtClean="0">
-                <a:effectLst>
-                  <a:outerShdw blurRad="38100" dist="38100" dir="2700000" algn="tl">
-                    <a:srgbClr val="000000">
-                      <a:alpha val="43137"/>
-                    </a:srgbClr>
-                  </a:outerShdw>
-                </a:effectLst>
-              </a:rPr>
-              <a:t/>
-            </a:r>
-            <a:br>
-              <a:rPr lang="fr-FR" sz="4800" b="1" dirty="0" smtClean="0">
-                <a:effectLst>
-                  <a:outerShdw blurRad="38100" dist="38100" dir="2700000" algn="tl">
-                    <a:srgbClr val="000000">
-                      <a:alpha val="43137"/>
-                    </a:srgbClr>
-                  </a:outerShdw>
-                </a:effectLst>
-              </a:rPr>
-            </a:br>
-            <a:r>
-              <a:rPr lang="fr-FR" sz="4800" b="1" dirty="0" smtClean="0">
-                <a:effectLst>
-                  <a:outerShdw blurRad="38100" dist="38100" dir="2700000" algn="tl">
-                    <a:srgbClr val="000000">
-                      <a:alpha val="43137"/>
-                    </a:srgbClr>
-                  </a:outerShdw>
-                </a:effectLst>
-              </a:rPr>
-              <a:t>Na dia </a:t>
-            </a:r>
-            <a:r>
-              <a:rPr lang="fr-FR" sz="4800" b="1" dirty="0" err="1" smtClean="0">
-                <a:effectLst>
-                  <a:outerShdw blurRad="38100" dist="38100" dir="2700000" algn="tl">
-                    <a:srgbClr val="000000">
-                      <a:alpha val="43137"/>
-                    </a:srgbClr>
-                  </a:outerShdw>
-                </a:effectLst>
-              </a:rPr>
-              <a:t>tsy</a:t>
-            </a:r>
-            <a:r>
-              <a:rPr lang="fr-FR" sz="4800" b="1" dirty="0" smtClean="0">
-                <a:effectLst>
-                  <a:outerShdw blurRad="38100" dist="38100" dir="2700000" algn="tl">
-                    <a:srgbClr val="000000">
-                      <a:alpha val="43137"/>
-                    </a:srgbClr>
-                  </a:outerShdw>
-                </a:effectLst>
-              </a:rPr>
-              <a:t> </a:t>
-            </a:r>
-            <a:r>
-              <a:rPr lang="fr-FR" sz="4800" b="1" dirty="0" err="1" smtClean="0">
-                <a:effectLst>
-                  <a:outerShdw blurRad="38100" dist="38100" dir="2700000" algn="tl">
-                    <a:srgbClr val="000000">
-                      <a:alpha val="43137"/>
-                    </a:srgbClr>
-                  </a:outerShdw>
-                </a:effectLst>
-              </a:rPr>
-              <a:t>hita</a:t>
-            </a:r>
-            <a:r>
-              <a:rPr lang="fr-FR" sz="4800" b="1" dirty="0" smtClean="0">
-                <a:effectLst>
-                  <a:outerShdw blurRad="38100" dist="38100" dir="2700000" algn="tl">
-                    <a:srgbClr val="000000">
-                      <a:alpha val="43137"/>
-                    </a:srgbClr>
-                  </a:outerShdw>
-                </a:effectLst>
-              </a:rPr>
-              <a:t> </a:t>
-            </a:r>
-            <a:r>
-              <a:rPr lang="fr-FR" sz="4800" b="1" dirty="0" err="1" smtClean="0">
-                <a:effectLst>
-                  <a:outerShdw blurRad="38100" dist="38100" dir="2700000" algn="tl">
-                    <a:srgbClr val="000000">
-                      <a:alpha val="43137"/>
-                    </a:srgbClr>
-                  </a:outerShdw>
-                </a:effectLst>
-              </a:rPr>
-              <a:t>aza</a:t>
-            </a:r>
-            <a:r>
-              <a:rPr lang="fr-FR" sz="4800" b="1" dirty="0" smtClean="0">
-                <a:effectLst>
-                  <a:outerShdw blurRad="38100" dist="38100" dir="2700000" algn="tl">
-                    <a:srgbClr val="000000">
-                      <a:alpha val="43137"/>
-                    </a:srgbClr>
-                  </a:outerShdw>
-                </a:effectLst>
-              </a:rPr>
-              <a:t> </a:t>
-            </a:r>
-            <a:r>
-              <a:rPr lang="fr-FR" sz="4800" b="1" dirty="0" err="1" smtClean="0">
-                <a:effectLst>
-                  <a:outerShdw blurRad="38100" dist="38100" dir="2700000" algn="tl">
-                    <a:srgbClr val="000000">
-                      <a:alpha val="43137"/>
-                    </a:srgbClr>
-                  </a:outerShdw>
-                </a:effectLst>
-              </a:rPr>
-              <a:t>afafazo</a:t>
-            </a:r>
-            <a:r>
-              <a:rPr lang="fr-FR" sz="4800" b="1" dirty="0" smtClean="0">
-                <a:effectLst>
-                  <a:outerShdw blurRad="38100" dist="38100" dir="2700000" algn="tl">
-                    <a:srgbClr val="000000">
-                      <a:alpha val="43137"/>
-                    </a:srgbClr>
-                  </a:outerShdw>
-                </a:effectLst>
-              </a:rPr>
-              <a:t/>
-            </a:r>
-            <a:br>
-              <a:rPr lang="fr-FR" sz="4800" b="1" dirty="0" smtClean="0">
-                <a:effectLst>
-                  <a:outerShdw blurRad="38100" dist="38100" dir="2700000" algn="tl">
-                    <a:srgbClr val="000000">
-                      <a:alpha val="43137"/>
-                    </a:srgbClr>
-                  </a:outerShdw>
-                </a:effectLst>
-              </a:rPr>
-            </a:br>
-            <a:r>
-              <a:rPr lang="fr-FR" sz="4800" b="1" dirty="0" err="1" smtClean="0">
-                <a:effectLst>
-                  <a:outerShdw blurRad="38100" dist="38100" dir="2700000" algn="tl">
-                    <a:srgbClr val="000000">
-                      <a:alpha val="43137"/>
-                    </a:srgbClr>
-                  </a:outerShdw>
-                </a:effectLst>
-              </a:rPr>
-              <a:t>Ny</a:t>
-            </a:r>
-            <a:r>
-              <a:rPr lang="fr-FR" sz="4800" b="1" dirty="0" smtClean="0">
-                <a:effectLst>
-                  <a:outerShdw blurRad="38100" dist="38100" dir="2700000" algn="tl">
-                    <a:srgbClr val="000000">
-                      <a:alpha val="43137"/>
-                    </a:srgbClr>
-                  </a:outerShdw>
-                </a:effectLst>
-              </a:rPr>
-              <a:t> </a:t>
-            </a:r>
-            <a:r>
-              <a:rPr lang="fr-FR" sz="4800" b="1" dirty="0" err="1" smtClean="0">
-                <a:effectLst>
-                  <a:outerShdw blurRad="38100" dist="38100" dir="2700000" algn="tl">
-                    <a:srgbClr val="000000">
-                      <a:alpha val="43137"/>
-                    </a:srgbClr>
-                  </a:outerShdw>
-                </a:effectLst>
-              </a:rPr>
-              <a:t>fakany</a:t>
-            </a:r>
-            <a:r>
-              <a:rPr lang="fr-FR" sz="4800" b="1" dirty="0" smtClean="0">
-                <a:effectLst>
-                  <a:outerShdw blurRad="38100" dist="38100" dir="2700000" algn="tl">
-                    <a:srgbClr val="000000">
-                      <a:alpha val="43137"/>
-                    </a:srgbClr>
-                  </a:outerShdw>
-                </a:effectLst>
-              </a:rPr>
-              <a:t> </a:t>
-            </a:r>
-            <a:r>
-              <a:rPr lang="fr-FR" sz="4800" b="1" dirty="0" err="1" smtClean="0">
-                <a:effectLst>
-                  <a:outerShdw blurRad="38100" dist="38100" dir="2700000" algn="tl">
-                    <a:srgbClr val="000000">
-                      <a:alpha val="43137"/>
-                    </a:srgbClr>
-                  </a:outerShdw>
-                </a:effectLst>
-              </a:rPr>
-              <a:t>omeo</a:t>
-            </a:r>
-            <a:r>
-              <a:rPr lang="fr-FR" sz="4800" b="1" dirty="0" smtClean="0">
-                <a:effectLst>
-                  <a:outerShdw blurRad="38100" dist="38100" dir="2700000" algn="tl">
-                    <a:srgbClr val="000000">
-                      <a:alpha val="43137"/>
-                    </a:srgbClr>
-                  </a:outerShdw>
-                </a:effectLst>
-              </a:rPr>
-              <a:t> </a:t>
-            </a:r>
-            <a:r>
-              <a:rPr lang="fr-FR" sz="4800" b="1" dirty="0" err="1" smtClean="0">
-                <a:effectLst>
-                  <a:outerShdw blurRad="38100" dist="38100" dir="2700000" algn="tl">
-                    <a:srgbClr val="000000">
-                      <a:alpha val="43137"/>
-                    </a:srgbClr>
-                  </a:outerShdw>
-                </a:effectLst>
-              </a:rPr>
-              <a:t>tsiro</a:t>
-            </a:r>
-            <a:r>
-              <a:rPr lang="fr-FR" sz="4800" b="1" dirty="0" smtClean="0">
-                <a:effectLst>
-                  <a:outerShdw blurRad="38100" dist="38100" dir="2700000" algn="tl">
-                    <a:srgbClr val="000000">
-                      <a:alpha val="43137"/>
-                    </a:srgbClr>
-                  </a:outerShdw>
-                </a:effectLst>
-              </a:rPr>
-              <a:t> </a:t>
-            </a:r>
-            <a:r>
-              <a:rPr lang="fr-FR" sz="4800" b="1" dirty="0" err="1" smtClean="0">
-                <a:effectLst>
-                  <a:outerShdw blurRad="38100" dist="38100" dir="2700000" algn="tl">
-                    <a:srgbClr val="000000">
-                      <a:alpha val="43137"/>
-                    </a:srgbClr>
-                  </a:outerShdw>
-                </a:effectLst>
-              </a:rPr>
-              <a:t>avy</a:t>
-            </a:r>
-            <a:r>
-              <a:rPr lang="fr-FR" sz="4800" b="1" dirty="0" smtClean="0">
-                <a:effectLst>
-                  <a:outerShdw blurRad="38100" dist="38100" dir="2700000" algn="tl">
-                    <a:srgbClr val="000000">
-                      <a:alpha val="43137"/>
-                    </a:srgbClr>
-                  </a:outerShdw>
-                </a:effectLst>
-              </a:rPr>
-              <a:t> </a:t>
-            </a:r>
-            <a:r>
-              <a:rPr lang="fr-FR" sz="4800" b="1" dirty="0" err="1" smtClean="0">
-                <a:effectLst>
-                  <a:outerShdw blurRad="38100" dist="38100" dir="2700000" algn="tl">
-                    <a:srgbClr val="000000">
-                      <a:alpha val="43137"/>
-                    </a:srgbClr>
-                  </a:outerShdw>
-                </a:effectLst>
-              </a:rPr>
-              <a:t>Aminao</a:t>
-            </a:r>
-            <a:r>
-              <a:rPr lang="fr-FR" sz="4800" b="1" dirty="0" smtClean="0">
-                <a:effectLst>
-                  <a:outerShdw blurRad="38100" dist="38100" dir="2700000" algn="tl">
-                    <a:srgbClr val="000000">
-                      <a:alpha val="43137"/>
-                    </a:srgbClr>
-                  </a:outerShdw>
-                </a:effectLst>
-              </a:rPr>
-              <a:t/>
-            </a:r>
-            <a:br>
-              <a:rPr lang="fr-FR" sz="4800" b="1" dirty="0" smtClean="0">
-                <a:effectLst>
-                  <a:outerShdw blurRad="38100" dist="38100" dir="2700000" algn="tl">
-                    <a:srgbClr val="000000">
-                      <a:alpha val="43137"/>
-                    </a:srgbClr>
-                  </a:outerShdw>
-                </a:effectLst>
-              </a:rPr>
-            </a:br>
-            <a:r>
-              <a:rPr lang="fr-FR" sz="4800" b="1" dirty="0" err="1" smtClean="0">
-                <a:effectLst>
-                  <a:outerShdw blurRad="38100" dist="38100" dir="2700000" algn="tl">
-                    <a:srgbClr val="000000">
-                      <a:alpha val="43137"/>
-                    </a:srgbClr>
-                  </a:outerShdw>
-                </a:effectLst>
-              </a:rPr>
-              <a:t>Ny</a:t>
-            </a:r>
-            <a:r>
-              <a:rPr lang="fr-FR" sz="4800" b="1" dirty="0" smtClean="0">
-                <a:effectLst>
-                  <a:outerShdw blurRad="38100" dist="38100" dir="2700000" algn="tl">
-                    <a:srgbClr val="000000">
-                      <a:alpha val="43137"/>
-                    </a:srgbClr>
-                  </a:outerShdw>
-                </a:effectLst>
-              </a:rPr>
-              <a:t> </a:t>
-            </a:r>
-            <a:r>
-              <a:rPr lang="fr-FR" sz="4800" b="1" dirty="0" err="1" smtClean="0">
-                <a:effectLst>
-                  <a:outerShdw blurRad="38100" dist="38100" dir="2700000" algn="tl">
-                    <a:srgbClr val="000000">
-                      <a:alpha val="43137"/>
-                    </a:srgbClr>
-                  </a:outerShdw>
-                </a:effectLst>
-              </a:rPr>
-              <a:t>tahony</a:t>
-            </a:r>
-            <a:r>
-              <a:rPr lang="fr-FR" sz="4800" b="1" dirty="0" smtClean="0">
-                <a:effectLst>
-                  <a:outerShdw blurRad="38100" dist="38100" dir="2700000" algn="tl">
-                    <a:srgbClr val="000000">
-                      <a:alpha val="43137"/>
-                    </a:srgbClr>
-                  </a:outerShdw>
-                </a:effectLst>
-              </a:rPr>
-              <a:t> </a:t>
-            </a:r>
-            <a:r>
-              <a:rPr lang="fr-FR" sz="4800" b="1" dirty="0" err="1" smtClean="0">
-                <a:effectLst>
-                  <a:outerShdw blurRad="38100" dist="38100" dir="2700000" algn="tl">
-                    <a:srgbClr val="000000">
-                      <a:alpha val="43137"/>
-                    </a:srgbClr>
-                  </a:outerShdw>
-                </a:effectLst>
-              </a:rPr>
-              <a:t>tondraho</a:t>
-            </a:r>
-            <a:r>
-              <a:rPr lang="fr-FR" sz="4800" b="1" dirty="0" smtClean="0">
-                <a:effectLst>
-                  <a:outerShdw blurRad="38100" dist="38100" dir="2700000" algn="tl">
-                    <a:srgbClr val="000000">
-                      <a:alpha val="43137"/>
-                    </a:srgbClr>
-                  </a:outerShdw>
-                </a:effectLst>
-              </a:rPr>
-              <a:t> </a:t>
-            </a:r>
-            <a:r>
-              <a:rPr lang="fr-FR" sz="4800" b="1" dirty="0" err="1" smtClean="0">
-                <a:effectLst>
-                  <a:outerShdw blurRad="38100" dist="38100" dir="2700000" algn="tl">
-                    <a:srgbClr val="000000">
-                      <a:alpha val="43137"/>
-                    </a:srgbClr>
-                  </a:outerShdw>
-                </a:effectLst>
-              </a:rPr>
-              <a:t>tsy</a:t>
-            </a:r>
-            <a:r>
-              <a:rPr lang="fr-FR" sz="4800" b="1" dirty="0" smtClean="0">
-                <a:effectLst>
-                  <a:outerShdw blurRad="38100" dist="38100" dir="2700000" algn="tl">
-                    <a:srgbClr val="000000">
-                      <a:alpha val="43137"/>
-                    </a:srgbClr>
-                  </a:outerShdw>
-                </a:effectLst>
-              </a:rPr>
-              <a:t> </a:t>
-            </a:r>
-            <a:r>
-              <a:rPr lang="fr-FR" sz="4800" b="1" dirty="0" err="1" smtClean="0">
-                <a:effectLst>
-                  <a:outerShdw blurRad="38100" dist="38100" dir="2700000" algn="tl">
-                    <a:srgbClr val="000000">
-                      <a:alpha val="43137"/>
-                    </a:srgbClr>
-                  </a:outerShdw>
-                </a:effectLst>
-              </a:rPr>
-              <a:t>halazo</a:t>
-            </a:r>
-            <a:r>
-              <a:rPr lang="fr-FR" sz="4800" b="1" dirty="0" smtClean="0">
-                <a:effectLst>
-                  <a:outerShdw blurRad="38100" dist="38100" dir="2700000" algn="tl">
-                    <a:srgbClr val="000000">
-                      <a:alpha val="43137"/>
-                    </a:srgbClr>
-                  </a:outerShdw>
-                </a:effectLst>
-              </a:rPr>
-              <a:t/>
-            </a:r>
-            <a:br>
-              <a:rPr lang="fr-FR" sz="4800" b="1" dirty="0" smtClean="0">
-                <a:effectLst>
-                  <a:outerShdw blurRad="38100" dist="38100" dir="2700000" algn="tl">
-                    <a:srgbClr val="000000">
-                      <a:alpha val="43137"/>
-                    </a:srgbClr>
-                  </a:outerShdw>
-                </a:effectLst>
-              </a:rPr>
-            </a:br>
-            <a:r>
-              <a:rPr lang="fr-FR" sz="4800" b="1" dirty="0" err="1" smtClean="0">
-                <a:effectLst>
-                  <a:outerShdw blurRad="38100" dist="38100" dir="2700000" algn="tl">
-                    <a:srgbClr val="000000">
-                      <a:alpha val="43137"/>
-                    </a:srgbClr>
-                  </a:outerShdw>
-                </a:effectLst>
-              </a:rPr>
-              <a:t>Ry</a:t>
-            </a:r>
-            <a:r>
-              <a:rPr lang="fr-FR" sz="4800" b="1" dirty="0" smtClean="0">
-                <a:effectLst>
-                  <a:outerShdw blurRad="38100" dist="38100" dir="2700000" algn="tl">
-                    <a:srgbClr val="000000">
-                      <a:alpha val="43137"/>
-                    </a:srgbClr>
-                  </a:outerShdw>
-                </a:effectLst>
-              </a:rPr>
-              <a:t> </a:t>
-            </a:r>
-            <a:r>
-              <a:rPr lang="fr-FR" sz="4800" b="1" dirty="0" err="1" smtClean="0">
-                <a:effectLst>
-                  <a:outerShdw blurRad="38100" dist="38100" dir="2700000" algn="tl">
-                    <a:srgbClr val="000000">
-                      <a:alpha val="43137"/>
-                    </a:srgbClr>
-                  </a:outerShdw>
-                </a:effectLst>
-              </a:rPr>
-              <a:t>hery</a:t>
-            </a:r>
-            <a:r>
-              <a:rPr lang="fr-FR" sz="4800" b="1" dirty="0" smtClean="0">
-                <a:effectLst>
-                  <a:outerShdw blurRad="38100" dist="38100" dir="2700000" algn="tl">
-                    <a:srgbClr val="000000">
-                      <a:alpha val="43137"/>
-                    </a:srgbClr>
-                  </a:outerShdw>
-                </a:effectLst>
-              </a:rPr>
-              <a:t> </a:t>
-            </a:r>
-            <a:r>
-              <a:rPr lang="fr-FR" sz="4800" b="1" dirty="0" err="1" smtClean="0">
-                <a:effectLst>
-                  <a:outerShdw blurRad="38100" dist="38100" dir="2700000" algn="tl">
-                    <a:srgbClr val="000000">
-                      <a:alpha val="43137"/>
-                    </a:srgbClr>
-                  </a:outerShdw>
-                </a:effectLst>
-              </a:rPr>
-              <a:t>lehibe</a:t>
-            </a:r>
-            <a:r>
-              <a:rPr lang="fr-FR" sz="4800" b="1" dirty="0" smtClean="0">
-                <a:effectLst>
-                  <a:outerShdw blurRad="38100" dist="38100" dir="2700000" algn="tl">
-                    <a:srgbClr val="000000">
-                      <a:alpha val="43137"/>
-                    </a:srgbClr>
-                  </a:outerShdw>
-                </a:effectLst>
-              </a:rPr>
-              <a:t> </a:t>
-            </a:r>
-            <a:r>
-              <a:rPr lang="fr-FR" sz="4800" b="1" dirty="0" err="1" smtClean="0">
-                <a:effectLst>
-                  <a:outerShdw blurRad="38100" dist="38100" dir="2700000" algn="tl">
-                    <a:srgbClr val="000000">
-                      <a:alpha val="43137"/>
-                    </a:srgbClr>
-                  </a:outerShdw>
-                </a:effectLst>
-              </a:rPr>
-              <a:t>mba</a:t>
-            </a:r>
-            <a:r>
-              <a:rPr lang="fr-FR" sz="4800" b="1" dirty="0" smtClean="0">
-                <a:effectLst>
-                  <a:outerShdw blurRad="38100" dist="38100" dir="2700000" algn="tl">
-                    <a:srgbClr val="000000">
-                      <a:alpha val="43137"/>
-                    </a:srgbClr>
-                  </a:outerShdw>
-                </a:effectLst>
-              </a:rPr>
-              <a:t> </a:t>
-            </a:r>
-            <a:r>
-              <a:rPr lang="fr-FR" sz="4800" b="1" dirty="0" err="1" smtClean="0">
-                <a:effectLst>
-                  <a:outerShdw blurRad="38100" dist="38100" dir="2700000" algn="tl">
-                    <a:srgbClr val="000000">
-                      <a:alpha val="43137"/>
-                    </a:srgbClr>
-                  </a:outerShdw>
-                </a:effectLst>
-              </a:rPr>
-              <a:t>miasa</a:t>
-            </a:r>
-            <a:r>
-              <a:rPr lang="fr-FR" sz="4800" b="1" dirty="0" smtClean="0">
-                <a:effectLst>
-                  <a:outerShdw blurRad="38100" dist="38100" dir="2700000" algn="tl">
-                    <a:srgbClr val="000000">
-                      <a:alpha val="43137"/>
-                    </a:srgbClr>
-                  </a:outerShdw>
-                </a:effectLst>
-              </a:rPr>
-              <a:t> </a:t>
-            </a:r>
-            <a:r>
-              <a:rPr lang="fr-FR" sz="4800" b="1" dirty="0" err="1" smtClean="0">
-                <a:effectLst>
-                  <a:outerShdw blurRad="38100" dist="38100" dir="2700000" algn="tl">
-                    <a:srgbClr val="000000">
-                      <a:alpha val="43137"/>
-                    </a:srgbClr>
-                  </a:outerShdw>
-                </a:effectLst>
-              </a:rPr>
-              <a:t>izao</a:t>
-            </a:r>
-            <a:r>
-              <a:rPr lang="fr-FR" sz="4800" b="1" dirty="0" smtClean="0">
-                <a:effectLst>
-                  <a:outerShdw blurRad="38100" dist="38100" dir="2700000" algn="tl">
-                    <a:srgbClr val="000000">
-                      <a:alpha val="43137"/>
-                    </a:srgbClr>
-                  </a:outerShdw>
-                </a:effectLst>
-              </a:rPr>
-              <a:t/>
-            </a:r>
-            <a:br>
-              <a:rPr lang="fr-FR" sz="4800" b="1" dirty="0" smtClean="0">
-                <a:effectLst>
-                  <a:outerShdw blurRad="38100" dist="38100" dir="2700000" algn="tl">
-                    <a:srgbClr val="000000">
-                      <a:alpha val="43137"/>
-                    </a:srgbClr>
-                  </a:outerShdw>
-                </a:effectLst>
-              </a:rPr>
-            </a:br>
-            <a:r>
-              <a:rPr lang="fr-FR" sz="4800" b="1" dirty="0" err="1" smtClean="0">
-                <a:effectLst>
-                  <a:outerShdw blurRad="38100" dist="38100" dir="2700000" algn="tl">
-                    <a:srgbClr val="000000">
-                      <a:alpha val="43137"/>
-                    </a:srgbClr>
-                  </a:outerShdw>
-                </a:effectLst>
-              </a:rPr>
-              <a:t>Mba</a:t>
-            </a:r>
-            <a:r>
-              <a:rPr lang="fr-FR" sz="4800" b="1" dirty="0" smtClean="0">
-                <a:effectLst>
-                  <a:outerShdw blurRad="38100" dist="38100" dir="2700000" algn="tl">
-                    <a:srgbClr val="000000">
-                      <a:alpha val="43137"/>
-                    </a:srgbClr>
-                  </a:outerShdw>
-                </a:effectLst>
-              </a:rPr>
-              <a:t> </a:t>
-            </a:r>
-            <a:r>
-              <a:rPr lang="fr-FR" sz="4800" b="1" dirty="0" err="1" smtClean="0">
-                <a:effectLst>
-                  <a:outerShdw blurRad="38100" dist="38100" dir="2700000" algn="tl">
-                    <a:srgbClr val="000000">
-                      <a:alpha val="43137"/>
-                    </a:srgbClr>
-                  </a:outerShdw>
-                </a:effectLst>
-              </a:rPr>
-              <a:t>hampidokadoka</a:t>
-            </a:r>
-            <a:r>
-              <a:rPr lang="fr-FR" sz="4800" b="1" dirty="0" smtClean="0">
-                <a:effectLst>
-                  <a:outerShdw blurRad="38100" dist="38100" dir="2700000" algn="tl">
-                    <a:srgbClr val="000000">
-                      <a:alpha val="43137"/>
-                    </a:srgbClr>
-                  </a:outerShdw>
-                </a:effectLst>
-              </a:rPr>
-              <a:t> </a:t>
-            </a:r>
-            <a:r>
-              <a:rPr lang="fr-FR" sz="4800" b="1" dirty="0" err="1" smtClean="0">
-                <a:effectLst>
-                  <a:outerShdw blurRad="38100" dist="38100" dir="2700000" algn="tl">
-                    <a:srgbClr val="000000">
-                      <a:alpha val="43137"/>
-                    </a:srgbClr>
-                  </a:outerShdw>
-                </a:effectLst>
-              </a:rPr>
-              <a:t>ireto</a:t>
-            </a:r>
-            <a:r>
-              <a:rPr lang="fr-FR" sz="4800" b="1" dirty="0" smtClean="0">
-                <a:effectLst>
-                  <a:outerShdw blurRad="38100" dist="38100" dir="2700000" algn="tl">
-                    <a:srgbClr val="000000">
-                      <a:alpha val="43137"/>
-                    </a:srgbClr>
-                  </a:outerShdw>
-                </a:effectLst>
-              </a:rPr>
-              <a:t> </a:t>
-            </a:r>
-            <a:r>
-              <a:rPr lang="fr-FR" sz="4800" b="1" dirty="0" err="1" smtClean="0">
-                <a:effectLst>
-                  <a:outerShdw blurRad="38100" dist="38100" dir="2700000" algn="tl">
-                    <a:srgbClr val="000000">
-                      <a:alpha val="43137"/>
-                    </a:srgbClr>
-                  </a:outerShdw>
-                </a:effectLst>
-              </a:rPr>
-              <a:t>hazo</a:t>
-            </a:r>
-            <a:r>
-              <a:rPr lang="fr-FR" sz="4800" b="1" dirty="0" smtClean="0">
-                <a:effectLst>
-                  <a:outerShdw blurRad="38100" dist="38100" dir="2700000" algn="tl">
-                    <a:srgbClr val="000000">
-                      <a:alpha val="43137"/>
-                    </a:srgbClr>
-                  </a:outerShdw>
-                </a:effectLst>
-              </a:rPr>
-              <a:t/>
-            </a:r>
-            <a:br>
-              <a:rPr lang="fr-FR" sz="4800" b="1" dirty="0" smtClean="0">
-                <a:effectLst>
-                  <a:outerShdw blurRad="38100" dist="38100" dir="2700000" algn="tl">
-                    <a:srgbClr val="000000">
-                      <a:alpha val="43137"/>
-                    </a:srgbClr>
-                  </a:outerShdw>
-                </a:effectLst>
-              </a:rPr>
-            </a:br>
-            <a:r>
-              <a:rPr lang="fr-FR" sz="4800" b="1" dirty="0" err="1" smtClean="0">
-                <a:effectLst>
-                  <a:outerShdw blurRad="38100" dist="38100" dir="2700000" algn="tl">
-                    <a:srgbClr val="000000">
-                      <a:alpha val="43137"/>
-                    </a:srgbClr>
-                  </a:outerShdw>
-                </a:effectLst>
-              </a:rPr>
-              <a:t>Ny</a:t>
-            </a:r>
-            <a:r>
-              <a:rPr lang="fr-FR" sz="4800" b="1" dirty="0" smtClean="0">
-                <a:effectLst>
-                  <a:outerShdw blurRad="38100" dist="38100" dir="2700000" algn="tl">
-                    <a:srgbClr val="000000">
-                      <a:alpha val="43137"/>
-                    </a:srgbClr>
-                  </a:outerShdw>
-                </a:effectLst>
-              </a:rPr>
-              <a:t> asa </a:t>
-            </a:r>
-            <a:r>
-              <a:rPr lang="fr-FR" sz="4800" b="1" dirty="0" err="1" smtClean="0">
-                <a:effectLst>
-                  <a:outerShdw blurRad="38100" dist="38100" dir="2700000" algn="tl">
-                    <a:srgbClr val="000000">
-                      <a:alpha val="43137"/>
-                    </a:srgbClr>
-                  </a:outerShdw>
-                </a:effectLst>
-              </a:rPr>
-              <a:t>izay</a:t>
-            </a:r>
-            <a:r>
-              <a:rPr lang="fr-FR" sz="4800" b="1" dirty="0" smtClean="0">
-                <a:effectLst>
-                  <a:outerShdw blurRad="38100" dist="38100" dir="2700000" algn="tl">
-                    <a:srgbClr val="000000">
-                      <a:alpha val="43137"/>
-                    </a:srgbClr>
-                  </a:outerShdw>
-                </a:effectLst>
-              </a:rPr>
-              <a:t> </a:t>
-            </a:r>
-            <a:r>
-              <a:rPr lang="fr-FR" sz="4800" b="1" dirty="0" err="1" smtClean="0">
-                <a:effectLst>
-                  <a:outerShdw blurRad="38100" dist="38100" dir="2700000" algn="tl">
-                    <a:srgbClr val="000000">
-                      <a:alpha val="43137"/>
-                    </a:srgbClr>
-                  </a:outerShdw>
-                </a:effectLst>
-              </a:rPr>
-              <a:t>atao</a:t>
-            </a:r>
-            <a:r>
-              <a:rPr lang="fr-FR" sz="4800" b="1" dirty="0" smtClean="0">
-                <a:effectLst>
-                  <a:outerShdw blurRad="38100" dist="38100" dir="2700000" algn="tl">
-                    <a:srgbClr val="000000">
-                      <a:alpha val="43137"/>
-                    </a:srgbClr>
-                  </a:outerShdw>
-                </a:effectLst>
-              </a:rPr>
-              <a:t> ho </a:t>
-            </a:r>
-            <a:r>
-              <a:rPr lang="fr-FR" sz="4800" b="1" dirty="0" err="1" smtClean="0">
-                <a:effectLst>
-                  <a:outerShdw blurRad="38100" dist="38100" dir="2700000" algn="tl">
-                    <a:srgbClr val="000000">
-                      <a:alpha val="43137"/>
-                    </a:srgbClr>
-                  </a:outerShdw>
-                </a:effectLst>
-              </a:rPr>
-              <a:t>voninahitra</a:t>
-            </a:r>
-            <a:endParaRPr lang="fr-FR" sz="4800" b="1" dirty="0">
+              <a:rPr lang="fr-FR" sz="4800" b="1" dirty="0">
+                <a:effectLst>
+                  <a:outerShdw blurRad="38100" dist="38100" dir="2700000" algn="tl">
+                    <a:srgbClr val="000000">
+                      <a:alpha val="43137"/>
+                    </a:srgbClr>
+                  </a:outerShdw>
+                </a:effectLst>
+              </a:rPr>
+              <a:t> </a:t>
+            </a:r>
+            <a:r>
+              <a:rPr lang="fr-FR" sz="4800" b="1" dirty="0" err="1">
+                <a:effectLst>
+                  <a:outerShdw blurRad="38100" dist="38100" dir="2700000" algn="tl">
+                    <a:srgbClr val="000000">
+                      <a:alpha val="43137"/>
+                    </a:srgbClr>
+                  </a:outerShdw>
+                </a:effectLst>
+              </a:rPr>
+              <a:t>Jeso</a:t>
+            </a:r>
+            <a:r>
+              <a:rPr lang="fr-FR" sz="4800" b="1" dirty="0">
+                <a:effectLst>
+                  <a:outerShdw blurRad="38100" dist="38100" dir="2700000" algn="tl">
+                    <a:srgbClr val="000000">
+                      <a:alpha val="43137"/>
+                    </a:srgbClr>
+                  </a:outerShdw>
+                </a:effectLst>
+              </a:rPr>
+              <a:t> </a:t>
+            </a:r>
+            <a:endParaRPr lang="fr-FR" sz="4800" b="1" dirty="0" smtClean="0">
               <a:effectLst>
                 <a:outerShdw blurRad="38100" dist="38100" dir="2700000" algn="tl">
                   <a:srgbClr val="000000">
@@ -6073,12 +5594,317 @@
               </a:effectLst>
             </a:endParaRPr>
           </a:p>
+          <a:p>
+            <a:pPr algn="ctr"/>
+            <a:r>
+              <a:rPr lang="fr-FR" sz="4800" b="1" dirty="0" err="1" smtClean="0">
+                <a:effectLst>
+                  <a:outerShdw blurRad="38100" dist="38100" dir="2700000" algn="tl">
+                    <a:srgbClr val="000000">
+                      <a:alpha val="43137"/>
+                    </a:srgbClr>
+                  </a:outerShdw>
+                </a:effectLst>
+              </a:rPr>
+              <a:t>mba</a:t>
+            </a:r>
+            <a:r>
+              <a:rPr lang="fr-FR" sz="4800" b="1" dirty="0" smtClean="0">
+                <a:effectLst>
+                  <a:outerShdw blurRad="38100" dist="38100" dir="2700000" algn="tl">
+                    <a:srgbClr val="000000">
+                      <a:alpha val="43137"/>
+                    </a:srgbClr>
+                  </a:outerShdw>
+                </a:effectLst>
+              </a:rPr>
+              <a:t> </a:t>
+            </a:r>
+            <a:r>
+              <a:rPr lang="fr-FR" sz="4800" b="1" dirty="0" err="1">
+                <a:effectLst>
+                  <a:outerShdw blurRad="38100" dist="38100" dir="2700000" algn="tl">
+                    <a:srgbClr val="000000">
+                      <a:alpha val="43137"/>
+                    </a:srgbClr>
+                  </a:outerShdw>
+                </a:effectLst>
+              </a:rPr>
+              <a:t>onenanao</a:t>
+            </a:r>
+            <a:r>
+              <a:rPr lang="fr-FR" sz="4800" b="1" dirty="0">
+                <a:effectLst>
+                  <a:outerShdw blurRad="38100" dist="38100" dir="2700000" algn="tl">
+                    <a:srgbClr val="000000">
+                      <a:alpha val="43137"/>
+                    </a:srgbClr>
+                  </a:outerShdw>
+                </a:effectLst>
+              </a:rPr>
+              <a:t/>
+            </a:r>
+            <a:br>
+              <a:rPr lang="fr-FR" sz="4800" b="1" dirty="0">
+                <a:effectLst>
+                  <a:outerShdw blurRad="38100" dist="38100" dir="2700000" algn="tl">
+                    <a:srgbClr val="000000">
+                      <a:alpha val="43137"/>
+                    </a:srgbClr>
+                  </a:outerShdw>
+                </a:effectLst>
+              </a:rPr>
+            </a:br>
+            <a:r>
+              <a:rPr lang="fr-FR" sz="4800" b="1" dirty="0">
+                <a:effectLst>
+                  <a:outerShdw blurRad="38100" dist="38100" dir="2700000" algn="tl">
+                    <a:srgbClr val="000000">
+                      <a:alpha val="43137"/>
+                    </a:srgbClr>
+                  </a:outerShdw>
+                </a:effectLst>
+              </a:rPr>
+              <a:t>Fa </a:t>
+            </a:r>
+            <a:r>
+              <a:rPr lang="fr-FR" sz="4800" b="1" dirty="0" err="1">
+                <a:effectLst>
+                  <a:outerShdw blurRad="38100" dist="38100" dir="2700000" algn="tl">
+                    <a:srgbClr val="000000">
+                      <a:alpha val="43137"/>
+                    </a:srgbClr>
+                  </a:outerShdw>
+                </a:effectLst>
+              </a:rPr>
+              <a:t>raha</a:t>
+            </a:r>
+            <a:r>
+              <a:rPr lang="fr-FR" sz="4800" b="1" dirty="0">
+                <a:effectLst>
+                  <a:outerShdw blurRad="38100" dist="38100" dir="2700000" algn="tl">
+                    <a:srgbClr val="000000">
+                      <a:alpha val="43137"/>
+                    </a:srgbClr>
+                  </a:outerShdw>
+                </a:effectLst>
+              </a:rPr>
+              <a:t> </a:t>
+            </a:r>
+            <a:r>
+              <a:rPr lang="fr-FR" sz="4800" b="1" dirty="0" err="1">
+                <a:effectLst>
+                  <a:outerShdw blurRad="38100" dist="38100" dir="2700000" algn="tl">
+                    <a:srgbClr val="000000">
+                      <a:alpha val="43137"/>
+                    </a:srgbClr>
+                  </a:outerShdw>
+                </a:effectLst>
+              </a:rPr>
+              <a:t>ilaozanao</a:t>
+            </a:r>
+            <a:r>
+              <a:rPr lang="fr-FR" sz="4800" b="1" dirty="0">
+                <a:effectLst>
+                  <a:outerShdw blurRad="38100" dist="38100" dir="2700000" algn="tl">
+                    <a:srgbClr val="000000">
+                      <a:alpha val="43137"/>
+                    </a:srgbClr>
+                  </a:outerShdw>
+                </a:effectLst>
+              </a:rPr>
+              <a:t> </a:t>
+            </a:r>
+            <a:endParaRPr lang="fr-FR" sz="4800" b="1" dirty="0" smtClean="0">
+              <a:effectLst>
+                <a:outerShdw blurRad="38100" dist="38100" dir="2700000" algn="tl">
+                  <a:srgbClr val="000000">
+                    <a:alpha val="43137"/>
+                  </a:srgbClr>
+                </a:outerShdw>
+              </a:effectLst>
+            </a:endParaRPr>
+          </a:p>
+          <a:p>
+            <a:pPr algn="ctr"/>
+            <a:r>
+              <a:rPr lang="fr-FR" sz="4800" b="1" dirty="0" smtClean="0">
+                <a:effectLst>
+                  <a:outerShdw blurRad="38100" dist="38100" dir="2700000" algn="tl">
+                    <a:srgbClr val="000000">
+                      <a:alpha val="43137"/>
+                    </a:srgbClr>
+                  </a:outerShdw>
+                </a:effectLst>
+              </a:rPr>
+              <a:t>dia </a:t>
+            </a:r>
+            <a:r>
+              <a:rPr lang="fr-FR" sz="4800" b="1" dirty="0" err="1">
+                <a:effectLst>
+                  <a:outerShdw blurRad="38100" dist="38100" dir="2700000" algn="tl">
+                    <a:srgbClr val="000000">
+                      <a:alpha val="43137"/>
+                    </a:srgbClr>
+                  </a:outerShdw>
+                </a:effectLst>
+              </a:rPr>
+              <a:t>karankaina</a:t>
+            </a:r>
+            <a:r>
+              <a:rPr lang="fr-FR" sz="4800" b="1" dirty="0">
+                <a:effectLst>
+                  <a:outerShdw blurRad="38100" dist="38100" dir="2700000" algn="tl">
+                    <a:srgbClr val="000000">
+                      <a:alpha val="43137"/>
+                    </a:srgbClr>
+                  </a:outerShdw>
+                </a:effectLst>
+              </a:rPr>
+              <a:t/>
+            </a:r>
+            <a:br>
+              <a:rPr lang="fr-FR" sz="4800" b="1" dirty="0">
+                <a:effectLst>
+                  <a:outerShdw blurRad="38100" dist="38100" dir="2700000" algn="tl">
+                    <a:srgbClr val="000000">
+                      <a:alpha val="43137"/>
+                    </a:srgbClr>
+                  </a:outerShdw>
+                </a:effectLst>
+              </a:rPr>
+            </a:br>
+            <a:r>
+              <a:rPr lang="fr-FR" sz="4800" b="1" dirty="0" err="1">
+                <a:effectLst>
+                  <a:outerShdw blurRad="38100" dist="38100" dir="2700000" algn="tl">
+                    <a:srgbClr val="000000">
+                      <a:alpha val="43137"/>
+                    </a:srgbClr>
+                  </a:outerShdw>
+                </a:effectLst>
+              </a:rPr>
+              <a:t>Tomoera</a:t>
+            </a:r>
+            <a:r>
+              <a:rPr lang="fr-FR" sz="4800" b="1" dirty="0">
+                <a:effectLst>
+                  <a:outerShdw blurRad="38100" dist="38100" dir="2700000" algn="tl">
+                    <a:srgbClr val="000000">
+                      <a:alpha val="43137"/>
+                    </a:srgbClr>
+                  </a:outerShdw>
+                </a:effectLst>
+              </a:rPr>
+              <a:t> </a:t>
+            </a:r>
+            <a:r>
+              <a:rPr lang="fr-FR" sz="4800" b="1" dirty="0" err="1">
+                <a:effectLst>
+                  <a:outerShdw blurRad="38100" dist="38100" dir="2700000" algn="tl">
+                    <a:srgbClr val="000000">
+                      <a:alpha val="43137"/>
+                    </a:srgbClr>
+                  </a:outerShdw>
+                </a:effectLst>
+              </a:rPr>
+              <a:t>Tompo</a:t>
+            </a:r>
+            <a:r>
+              <a:rPr lang="fr-FR" sz="4800" b="1" dirty="0">
+                <a:effectLst>
+                  <a:outerShdw blurRad="38100" dist="38100" dir="2700000" algn="tl">
+                    <a:srgbClr val="000000">
+                      <a:alpha val="43137"/>
+                    </a:srgbClr>
+                  </a:outerShdw>
+                </a:effectLst>
+              </a:rPr>
+              <a:t> ô</a:t>
+            </a:r>
+            <a:r>
+              <a:rPr lang="fr-FR" sz="4800" b="1" dirty="0" smtClean="0">
+                <a:effectLst>
+                  <a:outerShdw blurRad="38100" dist="38100" dir="2700000" algn="tl">
+                    <a:srgbClr val="000000">
+                      <a:alpha val="43137"/>
+                    </a:srgbClr>
+                  </a:outerShdw>
+                </a:effectLst>
+              </a:rPr>
+              <a:t>! </a:t>
+            </a:r>
+          </a:p>
+          <a:p>
+            <a:pPr algn="ctr"/>
+            <a:r>
+              <a:rPr lang="fr-FR" sz="4800" b="1" dirty="0" err="1" smtClean="0">
+                <a:effectLst>
+                  <a:outerShdw blurRad="38100" dist="38100" dir="2700000" algn="tl">
+                    <a:srgbClr val="000000">
+                      <a:alpha val="43137"/>
+                    </a:srgbClr>
+                  </a:outerShdw>
+                </a:effectLst>
+              </a:rPr>
+              <a:t>monena</a:t>
+            </a:r>
+            <a:r>
+              <a:rPr lang="fr-FR" sz="4800" b="1" dirty="0" smtClean="0">
+                <a:effectLst>
+                  <a:outerShdw blurRad="38100" dist="38100" dir="2700000" algn="tl">
+                    <a:srgbClr val="000000">
+                      <a:alpha val="43137"/>
+                    </a:srgbClr>
+                  </a:outerShdw>
+                </a:effectLst>
+              </a:rPr>
+              <a:t> </a:t>
+            </a:r>
+            <a:r>
+              <a:rPr lang="fr-FR" sz="4800" b="1" dirty="0" err="1">
+                <a:effectLst>
+                  <a:outerShdw blurRad="38100" dist="38100" dir="2700000" algn="tl">
+                    <a:srgbClr val="000000">
+                      <a:alpha val="43137"/>
+                    </a:srgbClr>
+                  </a:outerShdw>
+                </a:effectLst>
+              </a:rPr>
+              <a:t>re</a:t>
+            </a:r>
+            <a:r>
+              <a:rPr lang="fr-FR" sz="4800" b="1" dirty="0">
+                <a:effectLst>
+                  <a:outerShdw blurRad="38100" dist="38100" dir="2700000" algn="tl">
+                    <a:srgbClr val="000000">
+                      <a:alpha val="43137"/>
+                    </a:srgbClr>
+                  </a:outerShdw>
+                </a:effectLst>
+              </a:rPr>
+              <a:t> </a:t>
+            </a:r>
+            <a:r>
+              <a:rPr lang="fr-FR" sz="4800" b="1" dirty="0" err="1">
+                <a:effectLst>
+                  <a:outerShdw blurRad="38100" dist="38100" dir="2700000" algn="tl">
+                    <a:srgbClr val="000000">
+                      <a:alpha val="43137"/>
+                    </a:srgbClr>
+                  </a:outerShdw>
+                </a:effectLst>
+              </a:rPr>
+              <a:t>izao</a:t>
+            </a:r>
+            <a:endParaRPr lang="fr-FR" sz="4800" dirty="0"/>
+          </a:p>
         </p:txBody>
       </p:sp>
     </p:spTree>
     <p:extLst>
       <p:ext uri="{BB962C8B-B14F-4D97-AF65-F5344CB8AC3E}">
-        <p14:creationId xmlns:p14="http://schemas.microsoft.com/office/powerpoint/2010/main" val="1896594733"/>
+        <p14:creationId xmlns:p14="http://schemas.microsoft.com/office/powerpoint/2010/main" val="851595791"/>
       </p:ext>
     </p:extLst>
   </p:cSld>
@@ -6115,12 +5941,989 @@
             <p:ph type="ctrTitle"/>
           </p:nvPr>
         </p:nvSpPr>
-        <p:spPr/>
+        <p:spPr>
+          <a:xfrm>
+            <a:off x="0" y="-20538"/>
+            <a:ext cx="9144000" cy="5143500"/>
+          </a:xfrm>
+        </p:spPr>
         <p:txBody>
-          <a:bodyPr/>
+          <a:bodyPr>
+            <a:noAutofit/>
+          </a:bodyPr>
           <a:lstStyle/>
           <a:p>
-            <a:endParaRPr lang="fr-FR"/>
+            <a:r>
+              <a:rPr lang="fr-FR" sz="6000" b="1" dirty="0" smtClean="0">
+                <a:effectLst>
+                  <a:outerShdw blurRad="38100" dist="38100" dir="2700000" algn="tl">
+                    <a:srgbClr val="000000">
+                      <a:alpha val="43137"/>
+                    </a:srgbClr>
+                  </a:outerShdw>
+                </a:effectLst>
+              </a:rPr>
+              <a:t>3.Ny </a:t>
+            </a:r>
+            <a:r>
+              <a:rPr lang="fr-FR" sz="6000" b="1" dirty="0" err="1" smtClean="0">
+                <a:effectLst>
+                  <a:outerShdw blurRad="38100" dist="38100" dir="2700000" algn="tl">
+                    <a:srgbClr val="000000">
+                      <a:alpha val="43137"/>
+                    </a:srgbClr>
+                  </a:outerShdw>
+                </a:effectLst>
+              </a:rPr>
+              <a:t>asanao</a:t>
+            </a:r>
+            <a:r>
+              <a:rPr lang="fr-FR" sz="6000" b="1" dirty="0" smtClean="0">
+                <a:effectLst>
+                  <a:outerShdw blurRad="38100" dist="38100" dir="2700000" algn="tl">
+                    <a:srgbClr val="000000">
+                      <a:alpha val="43137"/>
+                    </a:srgbClr>
+                  </a:outerShdw>
+                </a:effectLst>
+              </a:rPr>
+              <a:t> </a:t>
+            </a:r>
+            <a:r>
+              <a:rPr lang="fr-FR" sz="6000" b="1" dirty="0" err="1" smtClean="0">
+                <a:effectLst>
+                  <a:outerShdw blurRad="38100" dist="38100" dir="2700000" algn="tl">
+                    <a:srgbClr val="000000">
+                      <a:alpha val="43137"/>
+                    </a:srgbClr>
+                  </a:outerShdw>
+                </a:effectLst>
+              </a:rPr>
+              <a:t>mangina</a:t>
+            </a:r>
+            <a:r>
+              <a:rPr lang="fr-FR" sz="6000" b="1" dirty="0" smtClean="0">
+                <a:effectLst>
+                  <a:outerShdw blurRad="38100" dist="38100" dir="2700000" algn="tl">
+                    <a:srgbClr val="000000">
+                      <a:alpha val="43137"/>
+                    </a:srgbClr>
+                  </a:outerShdw>
+                </a:effectLst>
+              </a:rPr>
+              <a:t> </a:t>
+            </a:r>
+            <a:r>
+              <a:rPr lang="fr-FR" sz="6000" b="1" dirty="0" smtClean="0">
+                <a:effectLst>
+                  <a:outerShdw blurRad="38100" dist="38100" dir="2700000" algn="tl">
+                    <a:srgbClr val="000000">
+                      <a:alpha val="43137"/>
+                    </a:srgbClr>
+                  </a:outerShdw>
+                </a:effectLst>
+              </a:rPr>
+              <a:t/>
+            </a:r>
+            <a:br>
+              <a:rPr lang="fr-FR" sz="6000" b="1" dirty="0" smtClean="0">
+                <a:effectLst>
+                  <a:outerShdw blurRad="38100" dist="38100" dir="2700000" algn="tl">
+                    <a:srgbClr val="000000">
+                      <a:alpha val="43137"/>
+                    </a:srgbClr>
+                  </a:outerShdw>
+                </a:effectLst>
+              </a:rPr>
+            </a:br>
+            <a:r>
+              <a:rPr lang="fr-FR" sz="6000" b="1" dirty="0" err="1" smtClean="0">
+                <a:effectLst>
+                  <a:outerShdw blurRad="38100" dist="38100" dir="2700000" algn="tl">
+                    <a:srgbClr val="000000">
+                      <a:alpha val="43137"/>
+                    </a:srgbClr>
+                  </a:outerShdw>
+                </a:effectLst>
+              </a:rPr>
+              <a:t>ry</a:t>
+            </a:r>
+            <a:r>
+              <a:rPr lang="fr-FR" sz="6000" b="1" dirty="0" smtClean="0">
+                <a:effectLst>
+                  <a:outerShdw blurRad="38100" dist="38100" dir="2700000" algn="tl">
+                    <a:srgbClr val="000000">
+                      <a:alpha val="43137"/>
+                    </a:srgbClr>
+                  </a:outerShdw>
+                </a:effectLst>
+              </a:rPr>
+              <a:t> </a:t>
+            </a:r>
+            <a:r>
+              <a:rPr lang="fr-FR" sz="6000" b="1" dirty="0" err="1" smtClean="0">
+                <a:effectLst>
+                  <a:outerShdw blurRad="38100" dist="38100" dir="2700000" algn="tl">
+                    <a:srgbClr val="000000">
+                      <a:alpha val="43137"/>
+                    </a:srgbClr>
+                  </a:outerShdw>
+                </a:effectLst>
+              </a:rPr>
+              <a:t>fanahy</a:t>
+            </a:r>
+            <a:r>
+              <a:rPr lang="fr-FR" sz="6000" b="1" dirty="0" smtClean="0">
+                <a:effectLst>
+                  <a:outerShdw blurRad="38100" dist="38100" dir="2700000" algn="tl">
+                    <a:srgbClr val="000000">
+                      <a:alpha val="43137"/>
+                    </a:srgbClr>
+                  </a:outerShdw>
+                </a:effectLst>
+              </a:rPr>
+              <a:t/>
+            </a:r>
+            <a:br>
+              <a:rPr lang="fr-FR" sz="6000" b="1" dirty="0" smtClean="0">
+                <a:effectLst>
+                  <a:outerShdw blurRad="38100" dist="38100" dir="2700000" algn="tl">
+                    <a:srgbClr val="000000">
+                      <a:alpha val="43137"/>
+                    </a:srgbClr>
+                  </a:outerShdw>
+                </a:effectLst>
+              </a:rPr>
+            </a:br>
+            <a:r>
+              <a:rPr lang="fr-FR" sz="6000" b="1" dirty="0" smtClean="0">
+                <a:effectLst>
+                  <a:outerShdw blurRad="38100" dist="38100" dir="2700000" algn="tl">
+                    <a:srgbClr val="000000">
+                      <a:alpha val="43137"/>
+                    </a:srgbClr>
+                  </a:outerShdw>
+                </a:effectLst>
+              </a:rPr>
+              <a:t>Na dia </a:t>
+            </a:r>
+            <a:r>
+              <a:rPr lang="fr-FR" sz="6000" b="1" dirty="0" err="1" smtClean="0">
+                <a:effectLst>
+                  <a:outerShdw blurRad="38100" dist="38100" dir="2700000" algn="tl">
+                    <a:srgbClr val="000000">
+                      <a:alpha val="43137"/>
+                    </a:srgbClr>
+                  </a:outerShdw>
+                </a:effectLst>
+              </a:rPr>
+              <a:t>tsy</a:t>
+            </a:r>
+            <a:r>
+              <a:rPr lang="fr-FR" sz="6000" b="1" dirty="0" smtClean="0">
+                <a:effectLst>
+                  <a:outerShdw blurRad="38100" dist="38100" dir="2700000" algn="tl">
+                    <a:srgbClr val="000000">
+                      <a:alpha val="43137"/>
+                    </a:srgbClr>
+                  </a:outerShdw>
+                </a:effectLst>
+              </a:rPr>
+              <a:t> </a:t>
+            </a:r>
+            <a:r>
+              <a:rPr lang="fr-FR" sz="6000" b="1" dirty="0" err="1" smtClean="0">
+                <a:effectLst>
+                  <a:outerShdw blurRad="38100" dist="38100" dir="2700000" algn="tl">
+                    <a:srgbClr val="000000">
+                      <a:alpha val="43137"/>
+                    </a:srgbClr>
+                  </a:outerShdw>
+                </a:effectLst>
+              </a:rPr>
+              <a:t>hita</a:t>
+            </a:r>
+            <a:r>
+              <a:rPr lang="fr-FR" sz="6000" b="1" dirty="0" smtClean="0">
+                <a:effectLst>
+                  <a:outerShdw blurRad="38100" dist="38100" dir="2700000" algn="tl">
+                    <a:srgbClr val="000000">
+                      <a:alpha val="43137"/>
+                    </a:srgbClr>
+                  </a:outerShdw>
+                </a:effectLst>
+              </a:rPr>
+              <a:t> </a:t>
+            </a:r>
+            <a:r>
+              <a:rPr lang="fr-FR" sz="6000" b="1" dirty="0" err="1" smtClean="0">
+                <a:effectLst>
+                  <a:outerShdw blurRad="38100" dist="38100" dir="2700000" algn="tl">
+                    <a:srgbClr val="000000">
+                      <a:alpha val="43137"/>
+                    </a:srgbClr>
+                  </a:outerShdw>
+                </a:effectLst>
+              </a:rPr>
+              <a:t>aza</a:t>
+            </a:r>
+            <a:r>
+              <a:rPr lang="fr-FR" sz="6000" b="1" dirty="0" smtClean="0">
+                <a:effectLst>
+                  <a:outerShdw blurRad="38100" dist="38100" dir="2700000" algn="tl">
+                    <a:srgbClr val="000000">
+                      <a:alpha val="43137"/>
+                    </a:srgbClr>
+                  </a:outerShdw>
+                </a:effectLst>
+              </a:rPr>
+              <a:t> </a:t>
+            </a:r>
+            <a:r>
+              <a:rPr lang="fr-FR" sz="6000" b="1" dirty="0" err="1" smtClean="0">
+                <a:effectLst>
+                  <a:outerShdw blurRad="38100" dist="38100" dir="2700000" algn="tl">
+                    <a:srgbClr val="000000">
+                      <a:alpha val="43137"/>
+                    </a:srgbClr>
+                  </a:outerShdw>
+                </a:effectLst>
+              </a:rPr>
+              <a:t>afafazo</a:t>
+            </a:r>
+            <a:r>
+              <a:rPr lang="fr-FR" sz="6000" b="1" dirty="0" smtClean="0">
+                <a:effectLst>
+                  <a:outerShdw blurRad="38100" dist="38100" dir="2700000" algn="tl">
+                    <a:srgbClr val="000000">
+                      <a:alpha val="43137"/>
+                    </a:srgbClr>
+                  </a:outerShdw>
+                </a:effectLst>
+              </a:rPr>
+              <a:t/>
+            </a:r>
+            <a:br>
+              <a:rPr lang="fr-FR" sz="6000" b="1" dirty="0" smtClean="0">
+                <a:effectLst>
+                  <a:outerShdw blurRad="38100" dist="38100" dir="2700000" algn="tl">
+                    <a:srgbClr val="000000">
+                      <a:alpha val="43137"/>
+                    </a:srgbClr>
+                  </a:outerShdw>
+                </a:effectLst>
+              </a:rPr>
+            </a:br>
+            <a:r>
+              <a:rPr lang="fr-FR" sz="6000" b="1" dirty="0" err="1" smtClean="0">
+                <a:effectLst>
+                  <a:outerShdw blurRad="38100" dist="38100" dir="2700000" algn="tl">
+                    <a:srgbClr val="000000">
+                      <a:alpha val="43137"/>
+                    </a:srgbClr>
+                  </a:outerShdw>
+                </a:effectLst>
+              </a:rPr>
+              <a:t>Ny</a:t>
+            </a:r>
+            <a:r>
+              <a:rPr lang="fr-FR" sz="6000" b="1" dirty="0" smtClean="0">
+                <a:effectLst>
+                  <a:outerShdw blurRad="38100" dist="38100" dir="2700000" algn="tl">
+                    <a:srgbClr val="000000">
+                      <a:alpha val="43137"/>
+                    </a:srgbClr>
+                  </a:outerShdw>
+                </a:effectLst>
+              </a:rPr>
+              <a:t> </a:t>
+            </a:r>
+            <a:r>
+              <a:rPr lang="fr-FR" sz="6000" b="1" dirty="0" err="1" smtClean="0">
+                <a:effectLst>
+                  <a:outerShdw blurRad="38100" dist="38100" dir="2700000" algn="tl">
+                    <a:srgbClr val="000000">
+                      <a:alpha val="43137"/>
+                    </a:srgbClr>
+                  </a:outerShdw>
+                </a:effectLst>
+              </a:rPr>
+              <a:t>fakany</a:t>
+            </a:r>
+            <a:r>
+              <a:rPr lang="fr-FR" sz="6000" b="1" dirty="0" smtClean="0">
+                <a:effectLst>
+                  <a:outerShdw blurRad="38100" dist="38100" dir="2700000" algn="tl">
+                    <a:srgbClr val="000000">
+                      <a:alpha val="43137"/>
+                    </a:srgbClr>
+                  </a:outerShdw>
+                </a:effectLst>
+              </a:rPr>
+              <a:t> </a:t>
+            </a:r>
+            <a:r>
+              <a:rPr lang="fr-FR" sz="6000" b="1" dirty="0" err="1" smtClean="0">
+                <a:effectLst>
+                  <a:outerShdw blurRad="38100" dist="38100" dir="2700000" algn="tl">
+                    <a:srgbClr val="000000">
+                      <a:alpha val="43137"/>
+                    </a:srgbClr>
+                  </a:outerShdw>
+                </a:effectLst>
+              </a:rPr>
+              <a:t>omeo</a:t>
+            </a:r>
+            <a:r>
+              <a:rPr lang="fr-FR" sz="6000" b="1" dirty="0" smtClean="0">
+                <a:effectLst>
+                  <a:outerShdw blurRad="38100" dist="38100" dir="2700000" algn="tl">
+                    <a:srgbClr val="000000">
+                      <a:alpha val="43137"/>
+                    </a:srgbClr>
+                  </a:outerShdw>
+                </a:effectLst>
+              </a:rPr>
+              <a:t> </a:t>
+            </a:r>
+            <a:r>
+              <a:rPr lang="fr-FR" sz="6000" b="1" dirty="0" err="1" smtClean="0">
+                <a:effectLst>
+                  <a:outerShdw blurRad="38100" dist="38100" dir="2700000" algn="tl">
+                    <a:srgbClr val="000000">
+                      <a:alpha val="43137"/>
+                    </a:srgbClr>
+                  </a:outerShdw>
+                </a:effectLst>
+              </a:rPr>
+              <a:t>tsiro</a:t>
+            </a:r>
+            <a:r>
+              <a:rPr lang="fr-FR" sz="6000" b="1" dirty="0" smtClean="0">
+                <a:effectLst>
+                  <a:outerShdw blurRad="38100" dist="38100" dir="2700000" algn="tl">
+                    <a:srgbClr val="000000">
+                      <a:alpha val="43137"/>
+                    </a:srgbClr>
+                  </a:outerShdw>
+                </a:effectLst>
+              </a:rPr>
+              <a:t> </a:t>
+            </a:r>
+            <a:r>
+              <a:rPr lang="fr-FR" sz="6000" b="1" dirty="0" err="1" smtClean="0">
+                <a:effectLst>
+                  <a:outerShdw blurRad="38100" dist="38100" dir="2700000" algn="tl">
+                    <a:srgbClr val="000000">
+                      <a:alpha val="43137"/>
+                    </a:srgbClr>
+                  </a:outerShdw>
+                </a:effectLst>
+              </a:rPr>
+              <a:t>avy</a:t>
+            </a:r>
+            <a:r>
+              <a:rPr lang="fr-FR" sz="6000" b="1" dirty="0" smtClean="0">
+                <a:effectLst>
+                  <a:outerShdw blurRad="38100" dist="38100" dir="2700000" algn="tl">
+                    <a:srgbClr val="000000">
+                      <a:alpha val="43137"/>
+                    </a:srgbClr>
+                  </a:outerShdw>
+                </a:effectLst>
+              </a:rPr>
+              <a:t> </a:t>
+            </a:r>
+            <a:r>
+              <a:rPr lang="fr-FR" sz="6000" b="1" dirty="0" err="1" smtClean="0">
+                <a:effectLst>
+                  <a:outerShdw blurRad="38100" dist="38100" dir="2700000" algn="tl">
+                    <a:srgbClr val="000000">
+                      <a:alpha val="43137"/>
+                    </a:srgbClr>
+                  </a:outerShdw>
+                </a:effectLst>
+              </a:rPr>
+              <a:t>Aminao</a:t>
+            </a:r>
+            <a:endParaRPr lang="fr-FR" sz="6000" b="1" dirty="0">
+              <a:effectLst>
+                <a:outerShdw blurRad="38100" dist="38100" dir="2700000" algn="tl">
+                  <a:srgbClr val="000000">
+                    <a:alpha val="43137"/>
+                  </a:srgbClr>
+                </a:outerShdw>
+              </a:effectLst>
+            </a:endParaRPr>
+          </a:p>
+        </p:txBody>
+      </p:sp>
+    </p:spTree>
+    <p:extLst>
+      <p:ext uri="{BB962C8B-B14F-4D97-AF65-F5344CB8AC3E}">
+        <p14:creationId xmlns:p14="http://schemas.microsoft.com/office/powerpoint/2010/main" val="1896594733"/>
+      </p:ext>
+    </p:extLst>
+  </p:cSld>
+  <p:clrMapOvr>
+    <a:masterClrMapping/>
+  </p:clrMapOvr>
+</p:sld>
+</file>
+
+<file path=ppt/slides/slide7.xml><?xml version="1.0" encoding="utf-8"?>
+<p:sld xmlns:a="http://schemas.openxmlformats.org/drawingml/2006/main" xmlns:r="http://schemas.openxmlformats.org/officeDocument/2006/relationships" xmlns:p="http://schemas.openxmlformats.org/presentationml/2006/main">
+  <p:cSld>
+    <p:spTree>
+      <p:nvGrpSpPr>
+        <p:cNvPr id="1" name=""/>
+        <p:cNvGrpSpPr/>
+        <p:nvPr/>
+      </p:nvGrpSpPr>
+      <p:grpSpPr>
+        <a:xfrm>
+          <a:off x="0" y="0"/>
+          <a:ext cx="0" cy="0"/>
+          <a:chOff x="0" y="0"/>
+          <a:chExt cx="0" cy="0"/>
+        </a:xfrm>
+      </p:grpSpPr>
+      <p:sp>
+        <p:nvSpPr>
+          <p:cNvPr id="3" name="Rectangle 2"/>
+          <p:cNvSpPr/>
+          <p:nvPr/>
+        </p:nvSpPr>
+        <p:spPr>
+          <a:xfrm>
+            <a:off x="0" y="-20538"/>
+            <a:ext cx="9144000" cy="5078313"/>
+          </a:xfrm>
+          <a:prstGeom prst="rect">
+            <a:avLst/>
+          </a:prstGeom>
+        </p:spPr>
+        <p:txBody>
+          <a:bodyPr wrap="square">
+            <a:spAutoFit/>
+          </a:bodyPr>
+          <a:lstStyle/>
+          <a:p>
+            <a:pPr algn="ctr"/>
+            <a:r>
+              <a:rPr lang="fr-FR" sz="5400" b="1" dirty="0" err="1">
+                <a:effectLst>
+                  <a:outerShdw blurRad="38100" dist="38100" dir="2700000" algn="tl">
+                    <a:srgbClr val="000000">
+                      <a:alpha val="43137"/>
+                    </a:srgbClr>
+                  </a:outerShdw>
+                </a:effectLst>
+              </a:rPr>
+              <a:t>Ny</a:t>
+            </a:r>
+            <a:r>
+              <a:rPr lang="fr-FR" sz="5400" b="1" dirty="0">
+                <a:effectLst>
+                  <a:outerShdw blurRad="38100" dist="38100" dir="2700000" algn="tl">
+                    <a:srgbClr val="000000">
+                      <a:alpha val="43137"/>
+                    </a:srgbClr>
+                  </a:outerShdw>
+                </a:effectLst>
+              </a:rPr>
+              <a:t> </a:t>
+            </a:r>
+            <a:r>
+              <a:rPr lang="fr-FR" sz="5400" b="1" dirty="0" err="1">
+                <a:effectLst>
+                  <a:outerShdw blurRad="38100" dist="38100" dir="2700000" algn="tl">
+                    <a:srgbClr val="000000">
+                      <a:alpha val="43137"/>
+                    </a:srgbClr>
+                  </a:outerShdw>
+                </a:effectLst>
+              </a:rPr>
+              <a:t>tahony</a:t>
+            </a:r>
+            <a:r>
+              <a:rPr lang="fr-FR" sz="5400" b="1" dirty="0">
+                <a:effectLst>
+                  <a:outerShdw blurRad="38100" dist="38100" dir="2700000" algn="tl">
+                    <a:srgbClr val="000000">
+                      <a:alpha val="43137"/>
+                    </a:srgbClr>
+                  </a:outerShdw>
+                </a:effectLst>
+              </a:rPr>
+              <a:t> </a:t>
+            </a:r>
+            <a:r>
+              <a:rPr lang="fr-FR" sz="5400" b="1" dirty="0" err="1">
+                <a:effectLst>
+                  <a:outerShdw blurRad="38100" dist="38100" dir="2700000" algn="tl">
+                    <a:srgbClr val="000000">
+                      <a:alpha val="43137"/>
+                    </a:srgbClr>
+                  </a:outerShdw>
+                </a:effectLst>
+              </a:rPr>
+              <a:t>tondraho</a:t>
+            </a:r>
+            <a:r>
+              <a:rPr lang="fr-FR" sz="5400" b="1" dirty="0">
+                <a:effectLst>
+                  <a:outerShdw blurRad="38100" dist="38100" dir="2700000" algn="tl">
+                    <a:srgbClr val="000000">
+                      <a:alpha val="43137"/>
+                    </a:srgbClr>
+                  </a:outerShdw>
+                </a:effectLst>
+              </a:rPr>
+              <a:t> </a:t>
+            </a:r>
+            <a:r>
+              <a:rPr lang="fr-FR" sz="5400" b="1" dirty="0" err="1">
+                <a:effectLst>
+                  <a:outerShdw blurRad="38100" dist="38100" dir="2700000" algn="tl">
+                    <a:srgbClr val="000000">
+                      <a:alpha val="43137"/>
+                    </a:srgbClr>
+                  </a:outerShdw>
+                </a:effectLst>
+              </a:rPr>
+              <a:t>tsy</a:t>
+            </a:r>
+            <a:r>
+              <a:rPr lang="fr-FR" sz="5400" b="1" dirty="0">
+                <a:effectLst>
+                  <a:outerShdw blurRad="38100" dist="38100" dir="2700000" algn="tl">
+                    <a:srgbClr val="000000">
+                      <a:alpha val="43137"/>
+                    </a:srgbClr>
+                  </a:outerShdw>
+                </a:effectLst>
+              </a:rPr>
+              <a:t> </a:t>
+            </a:r>
+            <a:r>
+              <a:rPr lang="fr-FR" sz="5400" b="1" dirty="0" err="1">
+                <a:effectLst>
+                  <a:outerShdw blurRad="38100" dist="38100" dir="2700000" algn="tl">
+                    <a:srgbClr val="000000">
+                      <a:alpha val="43137"/>
+                    </a:srgbClr>
+                  </a:outerShdw>
+                </a:effectLst>
+              </a:rPr>
+              <a:t>halazo</a:t>
+            </a:r>
+            <a:r>
+              <a:rPr lang="fr-FR" sz="5400" b="1" dirty="0">
+                <a:effectLst>
+                  <a:outerShdw blurRad="38100" dist="38100" dir="2700000" algn="tl">
+                    <a:srgbClr val="000000">
+                      <a:alpha val="43137"/>
+                    </a:srgbClr>
+                  </a:outerShdw>
+                </a:effectLst>
+              </a:rPr>
+              <a:t/>
+            </a:r>
+            <a:br>
+              <a:rPr lang="fr-FR" sz="5400" b="1" dirty="0">
+                <a:effectLst>
+                  <a:outerShdw blurRad="38100" dist="38100" dir="2700000" algn="tl">
+                    <a:srgbClr val="000000">
+                      <a:alpha val="43137"/>
+                    </a:srgbClr>
+                  </a:outerShdw>
+                </a:effectLst>
+              </a:rPr>
+            </a:br>
+            <a:r>
+              <a:rPr lang="fr-FR" sz="5400" b="1" dirty="0" err="1">
+                <a:effectLst>
+                  <a:outerShdw blurRad="38100" dist="38100" dir="2700000" algn="tl">
+                    <a:srgbClr val="000000">
+                      <a:alpha val="43137"/>
+                    </a:srgbClr>
+                  </a:outerShdw>
+                </a:effectLst>
+              </a:rPr>
+              <a:t>Ry</a:t>
+            </a:r>
+            <a:r>
+              <a:rPr lang="fr-FR" sz="5400" b="1" dirty="0">
+                <a:effectLst>
+                  <a:outerShdw blurRad="38100" dist="38100" dir="2700000" algn="tl">
+                    <a:srgbClr val="000000">
+                      <a:alpha val="43137"/>
+                    </a:srgbClr>
+                  </a:outerShdw>
+                </a:effectLst>
+              </a:rPr>
+              <a:t> </a:t>
+            </a:r>
+            <a:r>
+              <a:rPr lang="fr-FR" sz="5400" b="1" dirty="0" err="1">
+                <a:effectLst>
+                  <a:outerShdw blurRad="38100" dist="38100" dir="2700000" algn="tl">
+                    <a:srgbClr val="000000">
+                      <a:alpha val="43137"/>
+                    </a:srgbClr>
+                  </a:outerShdw>
+                </a:effectLst>
+              </a:rPr>
+              <a:t>hery</a:t>
+            </a:r>
+            <a:r>
+              <a:rPr lang="fr-FR" sz="5400" b="1" dirty="0">
+                <a:effectLst>
+                  <a:outerShdw blurRad="38100" dist="38100" dir="2700000" algn="tl">
+                    <a:srgbClr val="000000">
+                      <a:alpha val="43137"/>
+                    </a:srgbClr>
+                  </a:outerShdw>
+                </a:effectLst>
+              </a:rPr>
+              <a:t> </a:t>
+            </a:r>
+            <a:r>
+              <a:rPr lang="fr-FR" sz="5400" b="1" dirty="0" err="1">
+                <a:effectLst>
+                  <a:outerShdw blurRad="38100" dist="38100" dir="2700000" algn="tl">
+                    <a:srgbClr val="000000">
+                      <a:alpha val="43137"/>
+                    </a:srgbClr>
+                  </a:outerShdw>
+                </a:effectLst>
+              </a:rPr>
+              <a:t>lehibe</a:t>
+            </a:r>
+            <a:r>
+              <a:rPr lang="fr-FR" sz="5400" b="1" dirty="0">
+                <a:effectLst>
+                  <a:outerShdw blurRad="38100" dist="38100" dir="2700000" algn="tl">
+                    <a:srgbClr val="000000">
+                      <a:alpha val="43137"/>
+                    </a:srgbClr>
+                  </a:outerShdw>
+                </a:effectLst>
+              </a:rPr>
+              <a:t> </a:t>
+            </a:r>
+            <a:r>
+              <a:rPr lang="fr-FR" sz="5400" b="1" dirty="0" err="1">
+                <a:effectLst>
+                  <a:outerShdw blurRad="38100" dist="38100" dir="2700000" algn="tl">
+                    <a:srgbClr val="000000">
+                      <a:alpha val="43137"/>
+                    </a:srgbClr>
+                  </a:outerShdw>
+                </a:effectLst>
+              </a:rPr>
+              <a:t>mba</a:t>
+            </a:r>
+            <a:r>
+              <a:rPr lang="fr-FR" sz="5400" b="1" dirty="0">
+                <a:effectLst>
+                  <a:outerShdw blurRad="38100" dist="38100" dir="2700000" algn="tl">
+                    <a:srgbClr val="000000">
+                      <a:alpha val="43137"/>
+                    </a:srgbClr>
+                  </a:outerShdw>
+                </a:effectLst>
+              </a:rPr>
+              <a:t> </a:t>
+            </a:r>
+            <a:r>
+              <a:rPr lang="fr-FR" sz="5400" b="1" dirty="0" err="1">
+                <a:effectLst>
+                  <a:outerShdw blurRad="38100" dist="38100" dir="2700000" algn="tl">
+                    <a:srgbClr val="000000">
+                      <a:alpha val="43137"/>
+                    </a:srgbClr>
+                  </a:outerShdw>
+                </a:effectLst>
+              </a:rPr>
+              <a:t>miasa</a:t>
+            </a:r>
+            <a:r>
+              <a:rPr lang="fr-FR" sz="5400" b="1" dirty="0">
+                <a:effectLst>
+                  <a:outerShdw blurRad="38100" dist="38100" dir="2700000" algn="tl">
+                    <a:srgbClr val="000000">
+                      <a:alpha val="43137"/>
+                    </a:srgbClr>
+                  </a:outerShdw>
+                </a:effectLst>
+              </a:rPr>
+              <a:t> </a:t>
+            </a:r>
+            <a:r>
+              <a:rPr lang="fr-FR" sz="5400" b="1" dirty="0" err="1">
+                <a:effectLst>
+                  <a:outerShdw blurRad="38100" dist="38100" dir="2700000" algn="tl">
+                    <a:srgbClr val="000000">
+                      <a:alpha val="43137"/>
+                    </a:srgbClr>
+                  </a:outerShdw>
+                </a:effectLst>
+              </a:rPr>
+              <a:t>izao</a:t>
+            </a:r>
+            <a:r>
+              <a:rPr lang="fr-FR" sz="5400" b="1" dirty="0">
+                <a:effectLst>
+                  <a:outerShdw blurRad="38100" dist="38100" dir="2700000" algn="tl">
+                    <a:srgbClr val="000000">
+                      <a:alpha val="43137"/>
+                    </a:srgbClr>
+                  </a:outerShdw>
+                </a:effectLst>
+              </a:rPr>
+              <a:t/>
+            </a:r>
+            <a:br>
+              <a:rPr lang="fr-FR" sz="5400" b="1" dirty="0">
+                <a:effectLst>
+                  <a:outerShdw blurRad="38100" dist="38100" dir="2700000" algn="tl">
+                    <a:srgbClr val="000000">
+                      <a:alpha val="43137"/>
+                    </a:srgbClr>
+                  </a:outerShdw>
+                </a:effectLst>
+              </a:rPr>
+            </a:br>
+            <a:r>
+              <a:rPr lang="fr-FR" sz="5400" b="1" dirty="0" err="1">
+                <a:effectLst>
+                  <a:outerShdw blurRad="38100" dist="38100" dir="2700000" algn="tl">
+                    <a:srgbClr val="000000">
+                      <a:alpha val="43137"/>
+                    </a:srgbClr>
+                  </a:outerShdw>
+                </a:effectLst>
+              </a:rPr>
+              <a:t>Mba</a:t>
+            </a:r>
+            <a:r>
+              <a:rPr lang="fr-FR" sz="5400" b="1" dirty="0">
+                <a:effectLst>
+                  <a:outerShdw blurRad="38100" dist="38100" dir="2700000" algn="tl">
+                    <a:srgbClr val="000000">
+                      <a:alpha val="43137"/>
+                    </a:srgbClr>
+                  </a:outerShdw>
+                </a:effectLst>
+              </a:rPr>
+              <a:t> </a:t>
+            </a:r>
+            <a:r>
+              <a:rPr lang="fr-FR" sz="5400" b="1" dirty="0" err="1">
+                <a:effectLst>
+                  <a:outerShdw blurRad="38100" dist="38100" dir="2700000" algn="tl">
+                    <a:srgbClr val="000000">
+                      <a:alpha val="43137"/>
+                    </a:srgbClr>
+                  </a:outerShdw>
+                </a:effectLst>
+              </a:rPr>
+              <a:t>hampidokadoka</a:t>
+            </a:r>
+            <a:r>
+              <a:rPr lang="fr-FR" sz="5400" b="1" dirty="0">
+                <a:effectLst>
+                  <a:outerShdw blurRad="38100" dist="38100" dir="2700000" algn="tl">
+                    <a:srgbClr val="000000">
+                      <a:alpha val="43137"/>
+                    </a:srgbClr>
+                  </a:outerShdw>
+                </a:effectLst>
+              </a:rPr>
+              <a:t> </a:t>
+            </a:r>
+            <a:endParaRPr lang="fr-FR" sz="5400" b="1" dirty="0" smtClean="0">
+              <a:effectLst>
+                <a:outerShdw blurRad="38100" dist="38100" dir="2700000" algn="tl">
+                  <a:srgbClr val="000000">
+                    <a:alpha val="43137"/>
+                  </a:srgbClr>
+                </a:outerShdw>
+              </a:effectLst>
+            </a:endParaRPr>
+          </a:p>
+          <a:p>
+            <a:pPr algn="ctr"/>
+            <a:r>
+              <a:rPr lang="fr-FR" sz="5400" b="1" dirty="0" err="1" smtClean="0">
+                <a:effectLst>
+                  <a:outerShdw blurRad="38100" dist="38100" dir="2700000" algn="tl">
+                    <a:srgbClr val="000000">
+                      <a:alpha val="43137"/>
+                    </a:srgbClr>
+                  </a:outerShdw>
+                </a:effectLst>
+              </a:rPr>
+              <a:t>ireto</a:t>
+            </a:r>
+            <a:r>
+              <a:rPr lang="fr-FR" sz="5400" b="1" dirty="0" smtClean="0">
+                <a:effectLst>
+                  <a:outerShdw blurRad="38100" dist="38100" dir="2700000" algn="tl">
+                    <a:srgbClr val="000000">
+                      <a:alpha val="43137"/>
+                    </a:srgbClr>
+                  </a:outerShdw>
+                </a:effectLst>
+              </a:rPr>
+              <a:t> </a:t>
+            </a:r>
+            <a:r>
+              <a:rPr lang="fr-FR" sz="5400" b="1" dirty="0" err="1">
+                <a:effectLst>
+                  <a:outerShdw blurRad="38100" dist="38100" dir="2700000" algn="tl">
+                    <a:srgbClr val="000000">
+                      <a:alpha val="43137"/>
+                    </a:srgbClr>
+                  </a:outerShdw>
+                </a:effectLst>
+              </a:rPr>
+              <a:t>hazo</a:t>
+            </a:r>
+            <a:r>
+              <a:rPr lang="fr-FR" sz="5400" b="1" dirty="0">
+                <a:effectLst>
+                  <a:outerShdw blurRad="38100" dist="38100" dir="2700000" algn="tl">
+                    <a:srgbClr val="000000">
+                      <a:alpha val="43137"/>
+                    </a:srgbClr>
+                  </a:outerShdw>
+                </a:effectLst>
+              </a:rPr>
+              <a:t/>
+            </a:r>
+            <a:br>
+              <a:rPr lang="fr-FR" sz="5400" b="1" dirty="0">
+                <a:effectLst>
+                  <a:outerShdw blurRad="38100" dist="38100" dir="2700000" algn="tl">
+                    <a:srgbClr val="000000">
+                      <a:alpha val="43137"/>
+                    </a:srgbClr>
+                  </a:outerShdw>
+                </a:effectLst>
+              </a:rPr>
+            </a:br>
+            <a:r>
+              <a:rPr lang="fr-FR" sz="5400" b="1" dirty="0" err="1">
+                <a:effectLst>
+                  <a:outerShdw blurRad="38100" dist="38100" dir="2700000" algn="tl">
+                    <a:srgbClr val="000000">
+                      <a:alpha val="43137"/>
+                    </a:srgbClr>
+                  </a:outerShdw>
+                </a:effectLst>
+              </a:rPr>
+              <a:t>Ny</a:t>
+            </a:r>
+            <a:r>
+              <a:rPr lang="fr-FR" sz="5400" b="1" dirty="0">
+                <a:effectLst>
+                  <a:outerShdw blurRad="38100" dist="38100" dir="2700000" algn="tl">
+                    <a:srgbClr val="000000">
+                      <a:alpha val="43137"/>
+                    </a:srgbClr>
+                  </a:outerShdw>
+                </a:effectLst>
+              </a:rPr>
+              <a:t> asa </a:t>
+            </a:r>
+            <a:r>
+              <a:rPr lang="fr-FR" sz="5400" b="1" dirty="0" err="1">
+                <a:effectLst>
+                  <a:outerShdw blurRad="38100" dist="38100" dir="2700000" algn="tl">
+                    <a:srgbClr val="000000">
+                      <a:alpha val="43137"/>
+                    </a:srgbClr>
+                  </a:outerShdw>
+                </a:effectLst>
+              </a:rPr>
+              <a:t>izay</a:t>
+            </a:r>
+            <a:r>
+              <a:rPr lang="fr-FR" sz="5400" b="1" dirty="0">
+                <a:effectLst>
+                  <a:outerShdw blurRad="38100" dist="38100" dir="2700000" algn="tl">
+                    <a:srgbClr val="000000">
+                      <a:alpha val="43137"/>
+                    </a:srgbClr>
+                  </a:outerShdw>
+                </a:effectLst>
+              </a:rPr>
+              <a:t> </a:t>
+            </a:r>
+            <a:r>
+              <a:rPr lang="fr-FR" sz="5400" b="1" dirty="0" err="1">
+                <a:effectLst>
+                  <a:outerShdw blurRad="38100" dist="38100" dir="2700000" algn="tl">
+                    <a:srgbClr val="000000">
+                      <a:alpha val="43137"/>
+                    </a:srgbClr>
+                  </a:outerShdw>
+                </a:effectLst>
+              </a:rPr>
+              <a:t>atao</a:t>
+            </a:r>
+            <a:r>
+              <a:rPr lang="fr-FR" sz="5400" b="1" dirty="0">
+                <a:effectLst>
+                  <a:outerShdw blurRad="38100" dist="38100" dir="2700000" algn="tl">
+                    <a:srgbClr val="000000">
+                      <a:alpha val="43137"/>
+                    </a:srgbClr>
+                  </a:outerShdw>
+                </a:effectLst>
+              </a:rPr>
+              <a:t> </a:t>
+            </a:r>
+            <a:endParaRPr lang="fr-FR" sz="5400" b="1" dirty="0" smtClean="0">
+              <a:effectLst>
+                <a:outerShdw blurRad="38100" dist="38100" dir="2700000" algn="tl">
+                  <a:srgbClr val="000000">
+                    <a:alpha val="43137"/>
+                  </a:srgbClr>
+                </a:outerShdw>
+              </a:effectLst>
+            </a:endParaRPr>
+          </a:p>
+          <a:p>
+            <a:pPr algn="ctr"/>
+            <a:r>
+              <a:rPr lang="fr-FR" sz="5400" b="1" dirty="0" smtClean="0">
+                <a:effectLst>
+                  <a:outerShdw blurRad="38100" dist="38100" dir="2700000" algn="tl">
+                    <a:srgbClr val="000000">
+                      <a:alpha val="43137"/>
+                    </a:srgbClr>
+                  </a:outerShdw>
+                </a:effectLst>
+              </a:rPr>
+              <a:t>ho </a:t>
+            </a:r>
+            <a:r>
+              <a:rPr lang="fr-FR" sz="5400" b="1" dirty="0" err="1">
+                <a:effectLst>
+                  <a:outerShdw blurRad="38100" dist="38100" dir="2700000" algn="tl">
+                    <a:srgbClr val="000000">
+                      <a:alpha val="43137"/>
+                    </a:srgbClr>
+                  </a:outerShdw>
+                </a:effectLst>
+              </a:rPr>
+              <a:t>voninahitra</a:t>
+            </a:r>
+            <a:endParaRPr lang="fr-FR" sz="5400" dirty="0"/>
           </a:p>
         </p:txBody>
       </p:sp>
@@ -6128,6 +6931,926 @@
     <p:extLst>
       <p:ext uri="{BB962C8B-B14F-4D97-AF65-F5344CB8AC3E}">
         <p14:creationId xmlns:p14="http://schemas.microsoft.com/office/powerpoint/2010/main" val="3716769260"/>
+      </p:ext>
+    </p:extLst>
+  </p:cSld>
+  <p:clrMapOvr>
+    <a:masterClrMapping/>
+  </p:clrMapOvr>
+</p:sld>
+</file>
+
+<file path=ppt/slides/slide8.xml><?xml version="1.0" encoding="utf-8"?>
+<p:sld xmlns:a="http://schemas.openxmlformats.org/drawingml/2006/main" xmlns:r="http://schemas.openxmlformats.org/officeDocument/2006/relationships" xmlns:p="http://schemas.openxmlformats.org/presentationml/2006/main">
+  <p:cSld>
+    <p:spTree>
+      <p:nvGrpSpPr>
+        <p:cNvPr id="1" name=""/>
+        <p:cNvGrpSpPr/>
+        <p:nvPr/>
+      </p:nvGrpSpPr>
+      <p:grpSpPr>
+        <a:xfrm>
+          <a:off x="0" y="0"/>
+          <a:ext cx="0" cy="0"/>
+          <a:chOff x="0" y="0"/>
+          <a:chExt cx="0" cy="0"/>
+        </a:xfrm>
+      </p:grpSpPr>
+      <p:sp>
+        <p:nvSpPr>
+          <p:cNvPr id="4" name="Rectangle 3"/>
+          <p:cNvSpPr/>
+          <p:nvPr/>
+        </p:nvSpPr>
+        <p:spPr>
+          <a:xfrm>
+            <a:off x="0" y="340657"/>
+            <a:ext cx="9144000" cy="4247317"/>
+          </a:xfrm>
+          <a:prstGeom prst="rect">
+            <a:avLst/>
+          </a:prstGeom>
+        </p:spPr>
+        <p:txBody>
+          <a:bodyPr wrap="square">
+            <a:spAutoFit/>
+          </a:bodyPr>
+          <a:lstStyle/>
+          <a:p>
+            <a:pPr algn="ctr"/>
+            <a:r>
+              <a:rPr lang="fr-FR" sz="5400" b="1" dirty="0">
+                <a:effectLst>
+                  <a:outerShdw blurRad="38100" dist="38100" dir="2700000" algn="tl">
+                    <a:srgbClr val="000000">
+                      <a:alpha val="43137"/>
+                    </a:srgbClr>
+                  </a:outerShdw>
+                </a:effectLst>
+              </a:rPr>
+              <a:t>5.Ry </a:t>
+            </a:r>
+            <a:r>
+              <a:rPr lang="fr-FR" sz="5400" b="1" dirty="0" err="1">
+                <a:effectLst>
+                  <a:outerShdw blurRad="38100" dist="38100" dir="2700000" algn="tl">
+                    <a:srgbClr val="000000">
+                      <a:alpha val="43137"/>
+                    </a:srgbClr>
+                  </a:outerShdw>
+                </a:effectLst>
+              </a:rPr>
+              <a:t>Jeso</a:t>
+            </a:r>
+            <a:r>
+              <a:rPr lang="fr-FR" sz="5400" b="1" dirty="0">
+                <a:effectLst>
+                  <a:outerShdw blurRad="38100" dist="38100" dir="2700000" algn="tl">
+                    <a:srgbClr val="000000">
+                      <a:alpha val="43137"/>
+                    </a:srgbClr>
+                  </a:outerShdw>
+                </a:effectLst>
+              </a:rPr>
+              <a:t>, </a:t>
+            </a:r>
+            <a:r>
+              <a:rPr lang="fr-FR" sz="5400" b="1" dirty="0" err="1">
+                <a:effectLst>
+                  <a:outerShdw blurRad="38100" dist="38100" dir="2700000" algn="tl">
+                    <a:srgbClr val="000000">
+                      <a:alpha val="43137"/>
+                    </a:srgbClr>
+                  </a:outerShdw>
+                </a:effectLst>
+              </a:rPr>
+              <a:t>Loharano</a:t>
+            </a:r>
+            <a:r>
+              <a:rPr lang="fr-FR" sz="5400" b="1" dirty="0">
+                <a:effectLst>
+                  <a:outerShdw blurRad="38100" dist="38100" dir="2700000" algn="tl">
+                    <a:srgbClr val="000000">
+                      <a:alpha val="43137"/>
+                    </a:srgbClr>
+                  </a:outerShdw>
+                </a:effectLst>
+              </a:rPr>
+              <a:t> </a:t>
+            </a:r>
+            <a:r>
+              <a:rPr lang="fr-FR" sz="5400" b="1" dirty="0" err="1">
+                <a:effectLst>
+                  <a:outerShdw blurRad="38100" dist="38100" dir="2700000" algn="tl">
+                    <a:srgbClr val="000000">
+                      <a:alpha val="43137"/>
+                    </a:srgbClr>
+                  </a:outerShdw>
+                </a:effectLst>
+              </a:rPr>
+              <a:t>feno</a:t>
+            </a:r>
+            <a:r>
+              <a:rPr lang="fr-FR" sz="5400" b="1" dirty="0">
+                <a:effectLst>
+                  <a:outerShdw blurRad="38100" dist="38100" dir="2700000" algn="tl">
+                    <a:srgbClr val="000000">
+                      <a:alpha val="43137"/>
+                    </a:srgbClr>
+                  </a:outerShdw>
+                </a:effectLst>
+              </a:rPr>
+              <a:t> </a:t>
+            </a:r>
+            <a:r>
+              <a:rPr lang="fr-FR" sz="5400" b="1" dirty="0" err="1" smtClean="0">
+                <a:effectLst>
+                  <a:outerShdw blurRad="38100" dist="38100" dir="2700000" algn="tl">
+                    <a:srgbClr val="000000">
+                      <a:alpha val="43137"/>
+                    </a:srgbClr>
+                  </a:outerShdw>
+                </a:effectLst>
+              </a:rPr>
+              <a:t>soa</a:t>
+            </a:r>
+            <a:endParaRPr lang="fr-FR" sz="5400" b="1" dirty="0" smtClean="0">
+              <a:effectLst>
+                <a:outerShdw blurRad="38100" dist="38100" dir="2700000" algn="tl">
+                  <a:srgbClr val="000000">
+                    <a:alpha val="43137"/>
+                  </a:srgbClr>
+                </a:outerShdw>
+              </a:effectLst>
+            </a:endParaRPr>
+          </a:p>
+          <a:p>
+            <a:pPr algn="ctr"/>
+            <a:r>
+              <a:rPr lang="fr-FR" sz="5400" b="1" dirty="0" err="1" smtClean="0">
+                <a:effectLst>
+                  <a:outerShdw blurRad="38100" dist="38100" dir="2700000" algn="tl">
+                    <a:srgbClr val="000000">
+                      <a:alpha val="43137"/>
+                    </a:srgbClr>
+                  </a:outerShdw>
+                </a:effectLst>
+              </a:rPr>
+              <a:t>Mangahalahala</a:t>
+            </a:r>
+            <a:r>
+              <a:rPr lang="fr-FR" sz="5400" b="1" dirty="0" smtClean="0">
+                <a:effectLst>
+                  <a:outerShdw blurRad="38100" dist="38100" dir="2700000" algn="tl">
+                    <a:srgbClr val="000000">
+                      <a:alpha val="43137"/>
+                    </a:srgbClr>
+                  </a:outerShdw>
+                </a:effectLst>
+              </a:rPr>
+              <a:t> </a:t>
+            </a:r>
+            <a:r>
+              <a:rPr lang="fr-FR" sz="5400" b="1" dirty="0" err="1">
+                <a:effectLst>
+                  <a:outerShdw blurRad="38100" dist="38100" dir="2700000" algn="tl">
+                    <a:srgbClr val="000000">
+                      <a:alpha val="43137"/>
+                    </a:srgbClr>
+                  </a:outerShdw>
+                </a:effectLst>
+              </a:rPr>
+              <a:t>sady</a:t>
+            </a:r>
+            <a:r>
+              <a:rPr lang="fr-FR" sz="5400" b="1" dirty="0">
+                <a:effectLst>
+                  <a:outerShdw blurRad="38100" dist="38100" dir="2700000" algn="tl">
+                    <a:srgbClr val="000000">
+                      <a:alpha val="43137"/>
+                    </a:srgbClr>
+                  </a:outerShdw>
+                </a:effectLst>
+              </a:rPr>
+              <a:t> </a:t>
+            </a:r>
+            <a:r>
+              <a:rPr lang="fr-FR" sz="5400" b="1" dirty="0" err="1" smtClean="0">
+                <a:effectLst>
+                  <a:outerShdw blurRad="38100" dist="38100" dir="2700000" algn="tl">
+                    <a:srgbClr val="000000">
+                      <a:alpha val="43137"/>
+                    </a:srgbClr>
+                  </a:outerShdw>
+                </a:effectLst>
+              </a:rPr>
+              <a:t>fototr'aina</a:t>
+            </a:r>
+            <a:r>
+              <a:rPr lang="fr-FR" sz="5400" b="1" dirty="0" smtClean="0">
+                <a:effectLst>
+                  <a:outerShdw blurRad="38100" dist="38100" dir="2700000" algn="tl">
+                    <a:srgbClr val="000000">
+                      <a:alpha val="43137"/>
+                    </a:srgbClr>
+                  </a:outerShdw>
+                </a:effectLst>
+              </a:rPr>
+              <a:t>;</a:t>
+            </a:r>
+          </a:p>
+          <a:p>
+            <a:pPr algn="ctr"/>
+            <a:r>
+              <a:rPr lang="fr-FR" sz="5400" b="1" dirty="0" err="1" smtClean="0">
+                <a:effectLst>
+                  <a:outerShdw blurRad="38100" dist="38100" dir="2700000" algn="tl">
+                    <a:srgbClr val="000000">
+                      <a:alpha val="43137"/>
+                    </a:srgbClr>
+                  </a:outerShdw>
+                </a:effectLst>
+              </a:rPr>
+              <a:t>Mahafa-ketaheta</a:t>
+            </a:r>
+            <a:r>
+              <a:rPr lang="fr-FR" sz="5400" b="1" dirty="0" smtClean="0">
+                <a:effectLst>
+                  <a:outerShdw blurRad="38100" dist="38100" dir="2700000" algn="tl">
+                    <a:srgbClr val="000000">
+                      <a:alpha val="43137"/>
+                    </a:srgbClr>
+                  </a:outerShdw>
+                </a:effectLst>
+              </a:rPr>
+              <a:t> </a:t>
+            </a:r>
+          </a:p>
+          <a:p>
+            <a:pPr algn="ctr"/>
+            <a:r>
+              <a:rPr lang="fr-FR" sz="5400" b="1" dirty="0" err="1" smtClean="0">
+                <a:effectLst>
+                  <a:outerShdw blurRad="38100" dist="38100" dir="2700000" algn="tl">
+                    <a:srgbClr val="000000">
+                      <a:alpha val="43137"/>
+                    </a:srgbClr>
+                  </a:outerShdw>
+                </a:effectLst>
+              </a:rPr>
+              <a:t>izao</a:t>
+            </a:r>
+            <a:r>
+              <a:rPr lang="fr-FR" sz="5400" b="1" dirty="0" smtClean="0">
+                <a:effectLst>
+                  <a:outerShdw blurRad="38100" dist="38100" dir="2700000" algn="tl">
+                    <a:srgbClr val="000000">
+                      <a:alpha val="43137"/>
+                    </a:srgbClr>
+                  </a:outerShdw>
+                </a:effectLst>
+              </a:rPr>
+              <a:t> </a:t>
+            </a:r>
+            <a:r>
+              <a:rPr lang="fr-FR" sz="5400" b="1" dirty="0" err="1">
+                <a:effectLst>
+                  <a:outerShdw blurRad="38100" dist="38100" dir="2700000" algn="tl">
+                    <a:srgbClr val="000000">
+                      <a:alpha val="43137"/>
+                    </a:srgbClr>
+                  </a:outerShdw>
+                </a:effectLst>
+              </a:rPr>
+              <a:t>tontolo</a:t>
+            </a:r>
+            <a:r>
+              <a:rPr lang="fr-FR" sz="5400" b="1" dirty="0">
+                <a:effectLst>
+                  <a:outerShdw blurRad="38100" dist="38100" dir="2700000" algn="tl">
+                    <a:srgbClr val="000000">
+                      <a:alpha val="43137"/>
+                    </a:srgbClr>
+                  </a:outerShdw>
+                </a:effectLst>
+              </a:rPr>
+              <a:t> </a:t>
+            </a:r>
+            <a:r>
+              <a:rPr lang="fr-FR" sz="5400" b="1" dirty="0" err="1">
+                <a:effectLst>
+                  <a:outerShdw blurRad="38100" dist="38100" dir="2700000" algn="tl">
+                    <a:srgbClr val="000000">
+                      <a:alpha val="43137"/>
+                    </a:srgbClr>
+                  </a:outerShdw>
+                </a:effectLst>
+              </a:rPr>
+              <a:t>izao</a:t>
+            </a:r>
+            <a:r>
+              <a:rPr lang="fr-FR" sz="5400" b="1" dirty="0" smtClean="0">
+                <a:effectLst>
+                  <a:outerShdw blurRad="38100" dist="38100" dir="2700000" algn="tl">
+                    <a:srgbClr val="000000">
+                      <a:alpha val="43137"/>
+                    </a:srgbClr>
+                  </a:outerShdw>
+                </a:effectLst>
+              </a:rPr>
+              <a:t>,</a:t>
+            </a:r>
+          </a:p>
+        </p:txBody>
+      </p:sp>
+    </p:spTree>
+    <p:extLst>
+      <p:ext uri="{BB962C8B-B14F-4D97-AF65-F5344CB8AC3E}">
+        <p14:creationId xmlns:p14="http://schemas.microsoft.com/office/powerpoint/2010/main" val="2485904275"/>
+      </p:ext>
+    </p:extLst>
+  </p:cSld>
+  <p:clrMapOvr>
+    <a:masterClrMapping/>
+  </p:clrMapOvr>
+</p:sld>
+</file>
+
+<file path=ppt/slides/slide9.xml><?xml version="1.0" encoding="utf-8"?>
+<p:sld xmlns:a="http://schemas.openxmlformats.org/drawingml/2006/main" xmlns:r="http://schemas.openxmlformats.org/officeDocument/2006/relationships" xmlns:p="http://schemas.openxmlformats.org/presentationml/2006/main">
+  <p:cSld>
+    <p:spTree>
+      <p:nvGrpSpPr>
+        <p:cNvPr id="1" name=""/>
+        <p:cNvGrpSpPr/>
+        <p:nvPr/>
+      </p:nvGrpSpPr>
+      <p:grpSpPr>
+        <a:xfrm>
+          <a:off x="0" y="0"/>
+          <a:ext cx="0" cy="0"/>
+          <a:chOff x="0" y="0"/>
+          <a:chExt cx="0" cy="0"/>
+        </a:xfrm>
+      </p:grpSpPr>
+      <p:sp>
+        <p:nvSpPr>
+          <p:cNvPr id="2" name="Rectangle 1"/>
+          <p:cNvSpPr/>
+          <p:nvPr/>
+        </p:nvSpPr>
+        <p:spPr>
+          <a:xfrm>
+            <a:off x="0" y="279683"/>
+            <a:ext cx="9144000" cy="4524315"/>
+          </a:xfrm>
+          <a:prstGeom prst="rect">
+            <a:avLst/>
+          </a:prstGeom>
+        </p:spPr>
+        <p:txBody>
+          <a:bodyPr wrap="square">
+            <a:spAutoFit/>
+          </a:bodyPr>
+          <a:lstStyle/>
+          <a:p>
+            <a:pPr algn="ctr"/>
+            <a:r>
+              <a:rPr lang="fr-FR" sz="4800" b="1" dirty="0" err="1">
+                <a:effectLst>
+                  <a:outerShdw blurRad="38100" dist="38100" dir="2700000" algn="tl">
+                    <a:srgbClr val="000000">
+                      <a:alpha val="43137"/>
+                    </a:srgbClr>
+                  </a:outerShdw>
+                </a:effectLst>
+              </a:rPr>
+              <a:t>Ary</a:t>
+            </a:r>
+            <a:r>
+              <a:rPr lang="fr-FR" sz="4800" b="1" dirty="0">
+                <a:effectLst>
+                  <a:outerShdw blurRad="38100" dist="38100" dir="2700000" algn="tl">
+                    <a:srgbClr val="000000">
+                      <a:alpha val="43137"/>
+                    </a:srgbClr>
+                  </a:outerShdw>
+                </a:effectLst>
+              </a:rPr>
+              <a:t> </a:t>
+            </a:r>
+            <a:r>
+              <a:rPr lang="fr-FR" sz="4800" b="1" dirty="0" err="1">
+                <a:effectLst>
+                  <a:outerShdw blurRad="38100" dist="38100" dir="2700000" algn="tl">
+                    <a:srgbClr val="000000">
+                      <a:alpha val="43137"/>
+                    </a:srgbClr>
+                  </a:outerShdw>
+                </a:effectLst>
+              </a:rPr>
+              <a:t>efa</a:t>
+            </a:r>
+            <a:r>
+              <a:rPr lang="fr-FR" sz="4800" b="1" dirty="0">
+                <a:effectLst>
+                  <a:outerShdw blurRad="38100" dist="38100" dir="2700000" algn="tl">
+                    <a:srgbClr val="000000">
+                      <a:alpha val="43137"/>
+                    </a:srgbClr>
+                  </a:outerShdw>
+                </a:effectLst>
+              </a:rPr>
+              <a:t> </a:t>
+            </a:r>
+            <a:r>
+              <a:rPr lang="fr-FR" sz="4800" b="1" dirty="0" err="1">
+                <a:effectLst>
+                  <a:outerShdw blurRad="38100" dist="38100" dir="2700000" algn="tl">
+                    <a:srgbClr val="000000">
+                      <a:alpha val="43137"/>
+                    </a:srgbClr>
+                  </a:outerShdw>
+                </a:effectLst>
+              </a:rPr>
+              <a:t>ampy</a:t>
+            </a:r>
+            <a:r>
+              <a:rPr lang="fr-FR" sz="4800" b="1" dirty="0">
+                <a:effectLst>
+                  <a:outerShdw blurRad="38100" dist="38100" dir="2700000" algn="tl">
+                    <a:srgbClr val="000000">
+                      <a:alpha val="43137"/>
+                    </a:srgbClr>
+                  </a:outerShdw>
+                </a:effectLst>
+              </a:rPr>
+              <a:t> </a:t>
+            </a:r>
+            <a:r>
+              <a:rPr lang="fr-FR" sz="4800" b="1" dirty="0" err="1">
+                <a:effectLst>
+                  <a:outerShdw blurRad="38100" dist="38100" dir="2700000" algn="tl">
+                    <a:srgbClr val="000000">
+                      <a:alpha val="43137"/>
+                    </a:srgbClr>
+                  </a:outerShdw>
+                </a:effectLst>
+              </a:rPr>
+              <a:t>izay</a:t>
+            </a:r>
+            <a:r>
+              <a:rPr lang="fr-FR" sz="4800" b="1" dirty="0">
+                <a:effectLst>
+                  <a:outerShdw blurRad="38100" dist="38100" dir="2700000" algn="tl">
+                    <a:srgbClr val="000000">
+                      <a:alpha val="43137"/>
+                    </a:srgbClr>
+                  </a:outerShdw>
+                </a:effectLst>
+              </a:rPr>
+              <a:t> </a:t>
+            </a:r>
+            <a:r>
+              <a:rPr lang="fr-FR" sz="4800" b="1" dirty="0" err="1">
+                <a:effectLst>
+                  <a:outerShdw blurRad="38100" dist="38100" dir="2700000" algn="tl">
+                    <a:srgbClr val="000000">
+                      <a:alpha val="43137"/>
+                    </a:srgbClr>
+                  </a:outerShdw>
+                </a:effectLst>
+              </a:rPr>
+              <a:t>rehetra</a:t>
+            </a:r>
+            <a:r>
+              <a:rPr lang="fr-FR" sz="4800" b="1" dirty="0">
+                <a:effectLst>
+                  <a:outerShdw blurRad="38100" dist="38100" dir="2700000" algn="tl">
+                    <a:srgbClr val="000000">
+                      <a:alpha val="43137"/>
+                    </a:srgbClr>
+                  </a:outerShdw>
+                </a:effectLst>
+              </a:rPr>
+              <a:t> </a:t>
+            </a:r>
+            <a:r>
+              <a:rPr lang="fr-FR" sz="4800" b="1" dirty="0" err="1">
+                <a:effectLst>
+                  <a:outerShdw blurRad="38100" dist="38100" dir="2700000" algn="tl">
+                    <a:srgbClr val="000000">
+                      <a:alpha val="43137"/>
+                    </a:srgbClr>
+                  </a:outerShdw>
+                </a:effectLst>
+              </a:rPr>
+              <a:t>ilaina</a:t>
+            </a:r>
+            <a:r>
+              <a:rPr lang="fr-FR" sz="4800" b="1" dirty="0">
+                <a:effectLst>
+                  <a:outerShdw blurRad="38100" dist="38100" dir="2700000" algn="tl">
+                    <a:srgbClr val="000000">
+                      <a:alpha val="43137"/>
+                    </a:srgbClr>
+                  </a:outerShdw>
+                </a:effectLst>
+              </a:rPr>
+              <a:t>,</a:t>
+            </a:r>
+          </a:p>
+          <a:p>
+            <a:pPr algn="ctr"/>
+            <a:r>
+              <a:rPr lang="fr-FR" sz="4800" b="1" dirty="0" err="1">
+                <a:effectLst>
+                  <a:outerShdw blurRad="38100" dist="38100" dir="2700000" algn="tl">
+                    <a:srgbClr val="000000">
+                      <a:alpha val="43137"/>
+                    </a:srgbClr>
+                  </a:outerShdw>
+                </a:effectLst>
+              </a:rPr>
+              <a:t>Ny</a:t>
+            </a:r>
+            <a:r>
+              <a:rPr lang="fr-FR" sz="4800" b="1" dirty="0">
+                <a:effectLst>
+                  <a:outerShdw blurRad="38100" dist="38100" dir="2700000" algn="tl">
+                    <a:srgbClr val="000000">
+                      <a:alpha val="43137"/>
+                    </a:srgbClr>
+                  </a:outerShdw>
+                </a:effectLst>
+              </a:rPr>
+              <a:t> </a:t>
+            </a:r>
+            <a:r>
+              <a:rPr lang="fr-FR" sz="4800" b="1" dirty="0" err="1">
+                <a:effectLst>
+                  <a:outerShdw blurRad="38100" dist="38100" dir="2700000" algn="tl">
+                    <a:srgbClr val="000000">
+                      <a:alpha val="43137"/>
+                    </a:srgbClr>
+                  </a:outerShdw>
+                </a:effectLst>
+              </a:rPr>
+              <a:t>taninay</a:t>
+            </a:r>
+            <a:r>
+              <a:rPr lang="fr-FR" sz="4800" b="1" dirty="0">
+                <a:effectLst>
+                  <a:outerShdw blurRad="38100" dist="38100" dir="2700000" algn="tl">
+                    <a:srgbClr val="000000">
+                      <a:alpha val="43137"/>
+                    </a:srgbClr>
+                  </a:outerShdw>
+                </a:effectLst>
+              </a:rPr>
+              <a:t>, </a:t>
+            </a:r>
+            <a:endParaRPr lang="fr-FR" sz="4800" b="1" dirty="0" smtClean="0">
+              <a:effectLst>
+                <a:outerShdw blurRad="38100" dist="38100" dir="2700000" algn="tl">
+                  <a:srgbClr val="000000">
+                    <a:alpha val="43137"/>
+                  </a:srgbClr>
+                </a:outerShdw>
+              </a:effectLst>
+            </a:endParaRPr>
+          </a:p>
+          <a:p>
+            <a:pPr algn="ctr"/>
+            <a:r>
+              <a:rPr lang="fr-FR" sz="4800" b="1" dirty="0" err="1" smtClean="0">
+                <a:effectLst>
+                  <a:outerShdw blurRad="38100" dist="38100" dir="2700000" algn="tl">
+                    <a:srgbClr val="000000">
+                      <a:alpha val="43137"/>
+                    </a:srgbClr>
+                  </a:outerShdw>
+                </a:effectLst>
+              </a:rPr>
+              <a:t>ry</a:t>
+            </a:r>
+            <a:r>
+              <a:rPr lang="fr-FR" sz="4800" b="1" dirty="0" smtClean="0">
+                <a:effectLst>
+                  <a:outerShdw blurRad="38100" dist="38100" dir="2700000" algn="tl">
+                    <a:srgbClr val="000000">
+                      <a:alpha val="43137"/>
+                    </a:srgbClr>
+                  </a:outerShdw>
+                </a:effectLst>
+              </a:rPr>
+              <a:t> </a:t>
+            </a:r>
+            <a:r>
+              <a:rPr lang="fr-FR" sz="4800" b="1" dirty="0" err="1">
+                <a:effectLst>
+                  <a:outerShdw blurRad="38100" dist="38100" dir="2700000" algn="tl">
+                    <a:srgbClr val="000000">
+                      <a:alpha val="43137"/>
+                    </a:srgbClr>
+                  </a:outerShdw>
+                </a:effectLst>
+              </a:rPr>
+              <a:t>Jesoa</a:t>
+            </a:r>
+            <a:r>
+              <a:rPr lang="fr-FR" sz="4800" b="1" dirty="0">
+                <a:effectLst>
+                  <a:outerShdw blurRad="38100" dist="38100" dir="2700000" algn="tl">
+                    <a:srgbClr val="000000">
+                      <a:alpha val="43137"/>
+                    </a:srgbClr>
+                  </a:outerShdw>
+                </a:effectLst>
+              </a:rPr>
+              <a:t> </a:t>
+            </a:r>
+            <a:r>
+              <a:rPr lang="fr-FR" sz="4800" b="1" dirty="0" err="1">
+                <a:effectLst>
+                  <a:outerShdw blurRad="38100" dist="38100" dir="2700000" algn="tl">
+                    <a:srgbClr val="000000">
+                      <a:alpha val="43137"/>
+                    </a:srgbClr>
+                  </a:outerShdw>
+                </a:effectLst>
+              </a:rPr>
+              <a:t>mba</a:t>
+            </a:r>
+            <a:r>
+              <a:rPr lang="fr-FR" sz="4800" b="1" dirty="0">
+                <a:effectLst>
+                  <a:outerShdw blurRad="38100" dist="38100" dir="2700000" algn="tl">
+                    <a:srgbClr val="000000">
+                      <a:alpha val="43137"/>
+                    </a:srgbClr>
+                  </a:outerShdw>
+                </a:effectLst>
+              </a:rPr>
+              <a:t> </a:t>
+            </a:r>
+            <a:r>
+              <a:rPr lang="fr-FR" sz="4800" b="1" dirty="0" err="1">
+                <a:effectLst>
+                  <a:outerShdw blurRad="38100" dist="38100" dir="2700000" algn="tl">
+                    <a:srgbClr val="000000">
+                      <a:alpha val="43137"/>
+                    </a:srgbClr>
+                  </a:outerShdw>
+                </a:effectLst>
+              </a:rPr>
+              <a:t>onenonao</a:t>
+            </a:r>
+            <a:endParaRPr lang="fr-FR" sz="4800" b="1" dirty="0">
+              <a:effectLst>
+                <a:outerShdw blurRad="38100" dist="38100" dir="2700000" algn="tl">
+                  <a:srgbClr val="000000">
+                    <a:alpha val="43137"/>
+                  </a:srgbClr>
+                </a:outerShdw>
+              </a:effectLst>
+            </a:endParaRPr>
+          </a:p>
+          <a:p>
+            <a:pPr algn="ctr"/>
+            <a:r>
+              <a:rPr lang="fr-FR" sz="4800" b="1" dirty="0">
+                <a:effectLst>
+                  <a:outerShdw blurRad="38100" dist="38100" dir="2700000" algn="tl">
+                    <a:srgbClr val="000000">
+                      <a:alpha val="43137"/>
+                    </a:srgbClr>
+                  </a:outerShdw>
+                </a:effectLst>
+              </a:rPr>
+              <a:t>Fa </a:t>
+            </a:r>
+            <a:r>
+              <a:rPr lang="fr-FR" sz="4800" b="1" dirty="0" err="1">
+                <a:effectLst>
+                  <a:outerShdw blurRad="38100" dist="38100" dir="2700000" algn="tl">
+                    <a:srgbClr val="000000">
+                      <a:alpha val="43137"/>
+                    </a:srgbClr>
+                  </a:outerShdw>
+                </a:effectLst>
+              </a:rPr>
+              <a:t>raha</a:t>
+            </a:r>
+            <a:r>
+              <a:rPr lang="fr-FR" sz="4800" b="1" dirty="0">
+                <a:effectLst>
+                  <a:outerShdw blurRad="38100" dist="38100" dir="2700000" algn="tl">
+                    <a:srgbClr val="000000">
+                      <a:alpha val="43137"/>
+                    </a:srgbClr>
+                  </a:outerShdw>
+                </a:effectLst>
+              </a:rPr>
+              <a:t> </a:t>
+            </a:r>
+            <a:r>
+              <a:rPr lang="fr-FR" sz="4800" b="1" dirty="0" err="1">
+                <a:effectLst>
+                  <a:outerShdw blurRad="38100" dist="38100" dir="2700000" algn="tl">
+                    <a:srgbClr val="000000">
+                      <a:alpha val="43137"/>
+                    </a:srgbClr>
+                  </a:outerShdw>
+                </a:effectLst>
+              </a:rPr>
+              <a:t>ilaozanao</a:t>
+            </a:r>
+            <a:r>
+              <a:rPr lang="fr-FR" sz="4800" b="1" dirty="0">
+                <a:effectLst>
+                  <a:outerShdw blurRad="38100" dist="38100" dir="2700000" algn="tl">
+                    <a:srgbClr val="000000">
+                      <a:alpha val="43137"/>
+                    </a:srgbClr>
+                  </a:outerShdw>
+                </a:effectLst>
+              </a:rPr>
+              <a:t> dia </a:t>
+            </a:r>
+            <a:r>
+              <a:rPr lang="fr-FR" sz="4800" b="1" dirty="0" err="1">
+                <a:effectLst>
+                  <a:outerShdw blurRad="38100" dist="38100" dir="2700000" algn="tl">
+                    <a:srgbClr val="000000">
+                      <a:alpha val="43137"/>
+                    </a:srgbClr>
+                  </a:outerShdw>
+                </a:effectLst>
+              </a:rPr>
+              <a:t>karankaina</a:t>
+            </a:r>
+            <a:endParaRPr lang="fr-FR" sz="4800" b="1" dirty="0">
+              <a:effectLst>
+                <a:outerShdw blurRad="38100" dist="38100" dir="2700000" algn="tl">
+                  <a:srgbClr val="000000">
+                    <a:alpha val="43137"/>
+                  </a:srgbClr>
+                </a:outerShdw>
+              </a:effectLst>
+            </a:endParaRPr>
+          </a:p>
+          <a:p>
+            <a:pPr algn="ctr"/>
+            <a:r>
+              <a:rPr lang="fr-FR" sz="4800" b="1" dirty="0" err="1">
+                <a:effectLst>
+                  <a:outerShdw blurRad="38100" dist="38100" dir="2700000" algn="tl">
+                    <a:srgbClr val="000000">
+                      <a:alpha val="43137"/>
+                    </a:srgbClr>
+                  </a:outerShdw>
+                </a:effectLst>
+              </a:rPr>
+              <a:t>Tomoera</a:t>
+            </a:r>
+            <a:r>
+              <a:rPr lang="fr-FR" sz="4800" b="1" dirty="0">
+                <a:effectLst>
+                  <a:outerShdw blurRad="38100" dist="38100" dir="2700000" algn="tl">
+                    <a:srgbClr val="000000">
+                      <a:alpha val="43137"/>
+                    </a:srgbClr>
+                  </a:outerShdw>
+                </a:effectLst>
+              </a:rPr>
+              <a:t> </a:t>
+            </a:r>
+            <a:r>
+              <a:rPr lang="fr-FR" sz="4800" b="1" dirty="0" err="1">
+                <a:effectLst>
+                  <a:outerShdw blurRad="38100" dist="38100" dir="2700000" algn="tl">
+                    <a:srgbClr val="000000">
+                      <a:alpha val="43137"/>
+                    </a:srgbClr>
+                  </a:outerShdw>
+                </a:effectLst>
+              </a:rPr>
+              <a:t>Tompo</a:t>
+            </a:r>
+            <a:r>
+              <a:rPr lang="fr-FR" sz="4800" b="1" dirty="0">
+                <a:effectLst>
+                  <a:outerShdw blurRad="38100" dist="38100" dir="2700000" algn="tl">
+                    <a:srgbClr val="000000">
+                      <a:alpha val="43137"/>
+                    </a:srgbClr>
+                  </a:outerShdw>
+                </a:effectLst>
+              </a:rPr>
+              <a:t> ô! </a:t>
+            </a:r>
+            <a:endParaRPr lang="fr-FR" sz="4800" b="1" dirty="0" smtClean="0">
+              <a:effectLst>
+                <a:outerShdw blurRad="38100" dist="38100" dir="2700000" algn="tl">
+                  <a:srgbClr val="000000">
+                    <a:alpha val="43137"/>
+                  </a:srgbClr>
+                </a:outerShdw>
+              </a:effectLst>
+            </a:endParaRPr>
+          </a:p>
+          <a:p>
+            <a:pPr algn="ctr"/>
+            <a:r>
+              <a:rPr lang="fr-FR" sz="4800" b="1" dirty="0" err="1" smtClean="0">
+                <a:effectLst>
+                  <a:outerShdw blurRad="38100" dist="38100" dir="2700000" algn="tl">
+                    <a:srgbClr val="000000">
+                      <a:alpha val="43137"/>
+                    </a:srgbClr>
+                  </a:outerShdw>
+                </a:effectLst>
+              </a:rPr>
+              <a:t>Monena</a:t>
+            </a:r>
+            <a:r>
+              <a:rPr lang="fr-FR" sz="4800" b="1" dirty="0" smtClean="0">
+                <a:effectLst>
+                  <a:outerShdw blurRad="38100" dist="38100" dir="2700000" algn="tl">
+                    <a:srgbClr val="000000">
+                      <a:alpha val="43137"/>
+                    </a:srgbClr>
+                  </a:outerShdw>
+                </a:effectLst>
+              </a:rPr>
+              <a:t> </a:t>
+            </a:r>
+            <a:r>
+              <a:rPr lang="fr-FR" sz="4800" b="1" dirty="0" err="1">
+                <a:effectLst>
+                  <a:outerShdw blurRad="38100" dist="38100" dir="2700000" algn="tl">
+                    <a:srgbClr val="000000">
+                      <a:alpha val="43137"/>
+                    </a:srgbClr>
+                  </a:outerShdw>
+                </a:effectLst>
+              </a:rPr>
+              <a:t>re</a:t>
+            </a:r>
+            <a:r>
+              <a:rPr lang="fr-FR" sz="4800" b="1" dirty="0">
+                <a:effectLst>
+                  <a:outerShdw blurRad="38100" dist="38100" dir="2700000" algn="tl">
+                    <a:srgbClr val="000000">
+                      <a:alpha val="43137"/>
+                    </a:srgbClr>
+                  </a:outerShdw>
+                </a:effectLst>
+              </a:rPr>
+              <a:t> </a:t>
+            </a:r>
+            <a:r>
+              <a:rPr lang="fr-FR" sz="4800" b="1" dirty="0" err="1">
+                <a:effectLst>
+                  <a:outerShdw blurRad="38100" dist="38100" dir="2700000" algn="tl">
+                    <a:srgbClr val="000000">
+                      <a:alpha val="43137"/>
+                    </a:srgbClr>
+                  </a:outerShdw>
+                </a:effectLst>
+              </a:rPr>
+              <a:t>izao</a:t>
+            </a:r>
+            <a:r>
+              <a:rPr lang="fr-FR" sz="4800" b="1" dirty="0">
+                <a:effectLst>
+                  <a:outerShdw blurRad="38100" dist="38100" dir="2700000" algn="tl">
+                    <a:srgbClr val="000000">
+                      <a:alpha val="43137"/>
+                    </a:srgbClr>
+                  </a:outerShdw>
+                </a:effectLst>
+              </a:rPr>
+              <a:t>.</a:t>
+            </a:r>
+            <a:endParaRPr lang="fr-FR" sz="4800" b="1" dirty="0">
+              <a:effectLst>
+                <a:outerShdw blurRad="38100" dist="38100" dir="2700000" algn="tl">
+                  <a:srgbClr val="000000">
+                    <a:alpha val="43137"/>
+                  </a:srgbClr>
+                </a:outerShdw>
+              </a:effectLst>
+            </a:endParaRPr>
+          </a:p>
+        </p:txBody>
+      </p:sp>
+    </p:spTree>
+    <p:extLst>
+      <p:ext uri="{BB962C8B-B14F-4D97-AF65-F5344CB8AC3E}">
+        <p14:creationId xmlns:p14="http://schemas.microsoft.com/office/powerpoint/2010/main" val="3653528013"/>
       </p:ext>
     </p:extLst>
   </p:cSld>
